--- a/Защита.pptx
+++ b/Защита.pptx
@@ -9,6 +9,8 @@
     <p:sldId id="257" r:id="rId3"/>
     <p:sldId id="258" r:id="rId4"/>
     <p:sldId id="259" r:id="rId5"/>
+    <p:sldId id="262" r:id="rId6"/>
+    <p:sldId id="261" r:id="rId7"/>
   </p:sldIdLst>
   <p:sldSz cx="12192000" cy="6858000"/>
   <p:notesSz cx="6858000" cy="9144000"/>
@@ -107,6 +109,11 @@
       </a:defRPr>
     </a:lvl9pPr>
   </p:defaultTextStyle>
+  <p:extLst>
+    <p:ext uri="{EFAFB233-063F-42B5-8137-9DF3F51BA10A}">
+      <p15:sldGuideLst xmlns:p15="http://schemas.microsoft.com/office/powerpoint/2012/main"/>
+    </p:ext>
+  </p:extLst>
 </p:presentation>
 </file>
 
@@ -306,7 +313,7 @@
           <a:p>
             <a:fld id="{4D538A52-06A6-4252-8CC7-6E67A55FD6C2}" type="datetimeFigureOut">
               <a:rPr lang="ru-RU" smtClean="0"/>
-              <a:t>15.04.2022</a:t>
+              <a:t>19.04.2022</a:t>
             </a:fld>
             <a:endParaRPr lang="ru-RU"/>
           </a:p>
@@ -527,7 +534,7 @@
           <a:p>
             <a:fld id="{4D538A52-06A6-4252-8CC7-6E67A55FD6C2}" type="datetimeFigureOut">
               <a:rPr lang="ru-RU" smtClean="0"/>
-              <a:t>15.04.2022</a:t>
+              <a:t>19.04.2022</a:t>
             </a:fld>
             <a:endParaRPr lang="ru-RU"/>
           </a:p>
@@ -707,7 +714,7 @@
           <a:p>
             <a:fld id="{4D538A52-06A6-4252-8CC7-6E67A55FD6C2}" type="datetimeFigureOut">
               <a:rPr lang="ru-RU" smtClean="0"/>
-              <a:t>15.04.2022</a:t>
+              <a:t>19.04.2022</a:t>
             </a:fld>
             <a:endParaRPr lang="ru-RU"/>
           </a:p>
@@ -877,7 +884,7 @@
           <a:p>
             <a:fld id="{4D538A52-06A6-4252-8CC7-6E67A55FD6C2}" type="datetimeFigureOut">
               <a:rPr lang="ru-RU" smtClean="0"/>
-              <a:t>15.04.2022</a:t>
+              <a:t>19.04.2022</a:t>
             </a:fld>
             <a:endParaRPr lang="ru-RU"/>
           </a:p>
@@ -1128,7 +1135,7 @@
           <a:p>
             <a:fld id="{4D538A52-06A6-4252-8CC7-6E67A55FD6C2}" type="datetimeFigureOut">
               <a:rPr lang="ru-RU" smtClean="0"/>
-              <a:t>15.04.2022</a:t>
+              <a:t>19.04.2022</a:t>
             </a:fld>
             <a:endParaRPr lang="ru-RU"/>
           </a:p>
@@ -1451,7 +1458,7 @@
           <a:p>
             <a:fld id="{4D538A52-06A6-4252-8CC7-6E67A55FD6C2}" type="datetimeFigureOut">
               <a:rPr lang="ru-RU" smtClean="0"/>
-              <a:t>15.04.2022</a:t>
+              <a:t>19.04.2022</a:t>
             </a:fld>
             <a:endParaRPr lang="ru-RU"/>
           </a:p>
@@ -1875,7 +1882,7 @@
           <a:p>
             <a:fld id="{4D538A52-06A6-4252-8CC7-6E67A55FD6C2}" type="datetimeFigureOut">
               <a:rPr lang="ru-RU" smtClean="0"/>
-              <a:t>15.04.2022</a:t>
+              <a:t>19.04.2022</a:t>
             </a:fld>
             <a:endParaRPr lang="ru-RU"/>
           </a:p>
@@ -1993,7 +2000,7 @@
           <a:p>
             <a:fld id="{4D538A52-06A6-4252-8CC7-6E67A55FD6C2}" type="datetimeFigureOut">
               <a:rPr lang="ru-RU" smtClean="0"/>
-              <a:t>15.04.2022</a:t>
+              <a:t>19.04.2022</a:t>
             </a:fld>
             <a:endParaRPr lang="ru-RU"/>
           </a:p>
@@ -2088,7 +2095,7 @@
           <a:p>
             <a:fld id="{4D538A52-06A6-4252-8CC7-6E67A55FD6C2}" type="datetimeFigureOut">
               <a:rPr lang="ru-RU" smtClean="0"/>
-              <a:t>15.04.2022</a:t>
+              <a:t>19.04.2022</a:t>
             </a:fld>
             <a:endParaRPr lang="ru-RU"/>
           </a:p>
@@ -2378,7 +2385,7 @@
           <a:p>
             <a:fld id="{4D538A52-06A6-4252-8CC7-6E67A55FD6C2}" type="datetimeFigureOut">
               <a:rPr lang="ru-RU" smtClean="0"/>
-              <a:t>15.04.2022</a:t>
+              <a:t>19.04.2022</a:t>
             </a:fld>
             <a:endParaRPr lang="ru-RU"/>
           </a:p>
@@ -2650,7 +2657,7 @@
           <a:p>
             <a:fld id="{4D538A52-06A6-4252-8CC7-6E67A55FD6C2}" type="datetimeFigureOut">
               <a:rPr lang="ru-RU" smtClean="0"/>
-              <a:t>15.04.2022</a:t>
+              <a:t>19.04.2022</a:t>
             </a:fld>
             <a:endParaRPr lang="ru-RU"/>
           </a:p>
@@ -2904,7 +2911,7 @@
           <a:p>
             <a:fld id="{4D538A52-06A6-4252-8CC7-6E67A55FD6C2}" type="datetimeFigureOut">
               <a:rPr lang="ru-RU" smtClean="0"/>
-              <a:t>15.04.2022</a:t>
+              <a:t>19.04.2022</a:t>
             </a:fld>
             <a:endParaRPr lang="ru-RU"/>
           </a:p>
@@ -3582,7 +3589,7 @@
                 </a:solidFill>
                 <a:latin typeface="Book Antiqua" panose="02040602050305030304" pitchFamily="18" charset="0"/>
               </a:rPr>
-              <a:t>Гуляева Юлия, Квитка Мария, Даниелян Сергей</a:t>
+              <a:t>Гуляева Юлия, Квитка Мария, Данелян Сергей</a:t>
             </a:r>
           </a:p>
         </p:txBody>
@@ -4259,7 +4266,7 @@
                 </a:solidFill>
                 <a:latin typeface="Book Antiqua" panose="02040602050305030304" pitchFamily="18" charset="0"/>
               </a:rPr>
-              <a:t>Узнать совместимость по имени или </a:t>
+              <a:t>Узнать совместимость по имени или :</a:t>
             </a:r>
             <a:r>
               <a:rPr lang="ru-RU" dirty="0" err="1">
@@ -4283,6 +4290,36 @@
           </a:p>
         </p:txBody>
       </p:sp>
+      <p:pic>
+        <p:nvPicPr>
+          <p:cNvPr id="4" name="Рисунок 3"/>
+          <p:cNvPicPr>
+            <a:picLocks noChangeAspect="1"/>
+          </p:cNvPicPr>
+          <p:nvPr/>
+        </p:nvPicPr>
+        <p:blipFill>
+          <a:blip r:embed="rId3">
+            <a:extLst>
+              <a:ext uri="{28A0092B-C50C-407E-A947-70E740481C1C}">
+                <a14:useLocalDpi xmlns:a14="http://schemas.microsoft.com/office/drawing/2010/main" val="0"/>
+              </a:ext>
+            </a:extLst>
+          </a:blip>
+          <a:stretch>
+            <a:fillRect/>
+          </a:stretch>
+        </p:blipFill>
+        <p:spPr>
+          <a:xfrm>
+            <a:off x="-6735820" y="-3239702"/>
+            <a:ext cx="6735820" cy="3239702"/>
+          </a:xfrm>
+          <a:prstGeom prst="rect">
+            <a:avLst/>
+          </a:prstGeom>
+        </p:spPr>
+      </p:pic>
     </p:spTree>
     <p:extLst>
       <p:ext uri="{BB962C8B-B14F-4D97-AF65-F5344CB8AC3E}">
@@ -4995,14 +5032,54 @@
                             </p:stCondLst>
                             <p:childTnLst>
                               <p:par>
-                                <p:cTn id="46" presetID="2" presetClass="entr" presetSubtype="4" fill="hold" grpId="0" nodeType="clickEffect">
+                                <p:cTn id="46" presetID="42" presetClass="path" presetSubtype="0" accel="50000" decel="50000" fill="hold" nodeType="clickEffect">
+                                  <p:stCondLst>
+                                    <p:cond delay="0"/>
+                                  </p:stCondLst>
+                                  <p:childTnLst>
+                                    <p:animMotion origin="layout" path="M 1.875E-6 1.11111E-6 L 1.55416 1.47268 " pathEditMode="relative" rAng="0" ptsTypes="AA">
+                                      <p:cBhvr>
+                                        <p:cTn id="47" dur="1000" fill="hold"/>
+                                        <p:tgtEl>
+                                          <p:spTgt spid="4"/>
+                                        </p:tgtEl>
+                                        <p:attrNameLst>
+                                          <p:attrName>ppt_x</p:attrName>
+                                          <p:attrName>ppt_y</p:attrName>
+                                        </p:attrNameLst>
+                                      </p:cBhvr>
+                                      <p:rCtr x="77708" y="73634"/>
+                                    </p:animMotion>
+                                  </p:childTnLst>
+                                </p:cTn>
+                              </p:par>
+                            </p:childTnLst>
+                          </p:cTn>
+                        </p:par>
+                      </p:childTnLst>
+                    </p:cTn>
+                  </p:par>
+                  <p:par>
+                    <p:cTn id="48" fill="hold">
+                      <p:stCondLst>
+                        <p:cond delay="indefinite"/>
+                      </p:stCondLst>
+                      <p:childTnLst>
+                        <p:par>
+                          <p:cTn id="49" fill="hold">
+                            <p:stCondLst>
+                              <p:cond delay="0"/>
+                            </p:stCondLst>
+                            <p:childTnLst>
+                              <p:par>
+                                <p:cTn id="50" presetID="2" presetClass="entr" presetSubtype="4" fill="hold" grpId="0" nodeType="clickEffect">
                                   <p:stCondLst>
                                     <p:cond delay="0"/>
                                   </p:stCondLst>
                                   <p:childTnLst>
                                     <p:set>
                                       <p:cBhvr>
-                                        <p:cTn id="47" dur="1" fill="hold">
+                                        <p:cTn id="51" dur="1" fill="hold">
                                           <p:stCondLst>
                                             <p:cond delay="0"/>
                                           </p:stCondLst>
@@ -5024,7 +5101,7 @@
                                     </p:set>
                                     <p:anim calcmode="lin" valueType="num">
                                       <p:cBhvr additive="base">
-                                        <p:cTn id="48" dur="500" fill="hold"/>
+                                        <p:cTn id="52" dur="500" fill="hold"/>
                                         <p:tgtEl>
                                           <p:spTgt spid="7">
                                             <p:txEl>
@@ -5051,7 +5128,7 @@
                                     </p:anim>
                                     <p:anim calcmode="lin" valueType="num">
                                       <p:cBhvr additive="base">
-                                        <p:cTn id="49" dur="500" fill="hold"/>
+                                        <p:cTn id="53" dur="500" fill="hold"/>
                                         <p:tgtEl>
                                           <p:spTgt spid="7">
                                             <p:txEl>
@@ -5086,26 +5163,26 @@
                     </p:cTn>
                   </p:par>
                   <p:par>
-                    <p:cTn id="50" fill="hold">
+                    <p:cTn id="54" fill="hold">
                       <p:stCondLst>
                         <p:cond delay="indefinite"/>
                       </p:stCondLst>
                       <p:childTnLst>
                         <p:par>
-                          <p:cTn id="51" fill="hold">
+                          <p:cTn id="55" fill="hold">
                             <p:stCondLst>
                               <p:cond delay="0"/>
                             </p:stCondLst>
                             <p:childTnLst>
                               <p:par>
-                                <p:cTn id="52" presetID="2" presetClass="entr" presetSubtype="4" fill="hold" grpId="0" nodeType="clickEffect">
+                                <p:cTn id="56" presetID="2" presetClass="entr" presetSubtype="4" fill="hold" grpId="0" nodeType="clickEffect">
                                   <p:stCondLst>
                                     <p:cond delay="0"/>
                                   </p:stCondLst>
                                   <p:childTnLst>
                                     <p:set>
                                       <p:cBhvr>
-                                        <p:cTn id="53" dur="1" fill="hold">
+                                        <p:cTn id="57" dur="1" fill="hold">
                                           <p:stCondLst>
                                             <p:cond delay="0"/>
                                           </p:stCondLst>
@@ -5127,7 +5204,7 @@
                                     </p:set>
                                     <p:anim calcmode="lin" valueType="num">
                                       <p:cBhvr additive="base">
-                                        <p:cTn id="54" dur="500" fill="hold"/>
+                                        <p:cTn id="58" dur="500" fill="hold"/>
                                         <p:tgtEl>
                                           <p:spTgt spid="7">
                                             <p:txEl>
@@ -5154,7 +5231,7 @@
                                     </p:anim>
                                     <p:anim calcmode="lin" valueType="num">
                                       <p:cBhvr additive="base">
-                                        <p:cTn id="55" dur="500" fill="hold"/>
+                                        <p:cTn id="59" dur="500" fill="hold"/>
                                         <p:tgtEl>
                                           <p:spTgt spid="7">
                                             <p:txEl>
@@ -5189,26 +5266,26 @@
                     </p:cTn>
                   </p:par>
                   <p:par>
-                    <p:cTn id="56" fill="hold">
+                    <p:cTn id="60" fill="hold">
                       <p:stCondLst>
                         <p:cond delay="indefinite"/>
                       </p:stCondLst>
                       <p:childTnLst>
                         <p:par>
-                          <p:cTn id="57" fill="hold">
+                          <p:cTn id="61" fill="hold">
                             <p:stCondLst>
                               <p:cond delay="0"/>
                             </p:stCondLst>
                             <p:childTnLst>
                               <p:par>
-                                <p:cTn id="58" presetID="2" presetClass="entr" presetSubtype="4" fill="hold" grpId="0" nodeType="clickEffect">
+                                <p:cTn id="62" presetID="2" presetClass="entr" presetSubtype="4" fill="hold" grpId="0" nodeType="clickEffect">
                                   <p:stCondLst>
                                     <p:cond delay="0"/>
                                   </p:stCondLst>
                                   <p:childTnLst>
                                     <p:set>
                                       <p:cBhvr>
-                                        <p:cTn id="59" dur="1" fill="hold">
+                                        <p:cTn id="63" dur="1" fill="hold">
                                           <p:stCondLst>
                                             <p:cond delay="0"/>
                                           </p:stCondLst>
@@ -5230,7 +5307,7 @@
                                     </p:set>
                                     <p:anim calcmode="lin" valueType="num">
                                       <p:cBhvr additive="base">
-                                        <p:cTn id="60" dur="500" fill="hold"/>
+                                        <p:cTn id="64" dur="500" fill="hold"/>
                                         <p:tgtEl>
                                           <p:spTgt spid="7">
                                             <p:txEl>
@@ -5257,7 +5334,7 @@
                                     </p:anim>
                                     <p:anim calcmode="lin" valueType="num">
                                       <p:cBhvr additive="base">
-                                        <p:cTn id="61" dur="500" fill="hold"/>
+                                        <p:cTn id="65" dur="500" fill="hold"/>
                                         <p:tgtEl>
                                           <p:spTgt spid="7">
                                             <p:txEl>
@@ -5292,26 +5369,26 @@
                     </p:cTn>
                   </p:par>
                   <p:par>
-                    <p:cTn id="62" fill="hold">
+                    <p:cTn id="66" fill="hold">
                       <p:stCondLst>
                         <p:cond delay="indefinite"/>
                       </p:stCondLst>
                       <p:childTnLst>
                         <p:par>
-                          <p:cTn id="63" fill="hold">
+                          <p:cTn id="67" fill="hold">
                             <p:stCondLst>
                               <p:cond delay="0"/>
                             </p:stCondLst>
                             <p:childTnLst>
                               <p:par>
-                                <p:cTn id="64" presetID="2" presetClass="entr" presetSubtype="4" fill="hold" grpId="0" nodeType="clickEffect">
+                                <p:cTn id="68" presetID="2" presetClass="entr" presetSubtype="4" fill="hold" grpId="0" nodeType="clickEffect">
                                   <p:stCondLst>
                                     <p:cond delay="0"/>
                                   </p:stCondLst>
                                   <p:childTnLst>
                                     <p:set>
                                       <p:cBhvr>
-                                        <p:cTn id="65" dur="1" fill="hold">
+                                        <p:cTn id="69" dur="1" fill="hold">
                                           <p:stCondLst>
                                             <p:cond delay="0"/>
                                           </p:stCondLst>
@@ -5333,7 +5410,7 @@
                                     </p:set>
                                     <p:anim calcmode="lin" valueType="num">
                                       <p:cBhvr additive="base">
-                                        <p:cTn id="66" dur="500" fill="hold"/>
+                                        <p:cTn id="70" dur="500" fill="hold"/>
                                         <p:tgtEl>
                                           <p:spTgt spid="7">
                                             <p:txEl>
@@ -5360,7 +5437,7 @@
                                     </p:anim>
                                     <p:anim calcmode="lin" valueType="num">
                                       <p:cBhvr additive="base">
-                                        <p:cTn id="67" dur="500" fill="hold"/>
+                                        <p:cTn id="71" dur="500" fill="hold"/>
                                         <p:tgtEl>
                                           <p:spTgt spid="7">
                                             <p:txEl>
@@ -5395,26 +5472,26 @@
                     </p:cTn>
                   </p:par>
                   <p:par>
-                    <p:cTn id="68" fill="hold">
+                    <p:cTn id="72" fill="hold">
                       <p:stCondLst>
                         <p:cond delay="indefinite"/>
                       </p:stCondLst>
                       <p:childTnLst>
                         <p:par>
-                          <p:cTn id="69" fill="hold">
+                          <p:cTn id="73" fill="hold">
                             <p:stCondLst>
                               <p:cond delay="0"/>
                             </p:stCondLst>
                             <p:childTnLst>
                               <p:par>
-                                <p:cTn id="70" presetID="2" presetClass="entr" presetSubtype="4" fill="hold" grpId="0" nodeType="clickEffect">
+                                <p:cTn id="74" presetID="2" presetClass="entr" presetSubtype="4" fill="hold" grpId="0" nodeType="clickEffect">
                                   <p:stCondLst>
                                     <p:cond delay="0"/>
                                   </p:stCondLst>
                                   <p:childTnLst>
                                     <p:set>
                                       <p:cBhvr>
-                                        <p:cTn id="71" dur="1" fill="hold">
+                                        <p:cTn id="75" dur="1" fill="hold">
                                           <p:stCondLst>
                                             <p:cond delay="0"/>
                                           </p:stCondLst>
@@ -5436,7 +5513,7 @@
                                     </p:set>
                                     <p:anim calcmode="lin" valueType="num">
                                       <p:cBhvr additive="base">
-                                        <p:cTn id="72" dur="500" fill="hold"/>
+                                        <p:cTn id="76" dur="500" fill="hold"/>
                                         <p:tgtEl>
                                           <p:spTgt spid="7">
                                             <p:txEl>
@@ -5463,7 +5540,7 @@
                                     </p:anim>
                                     <p:anim calcmode="lin" valueType="num">
                                       <p:cBhvr additive="base">
-                                        <p:cTn id="73" dur="500" fill="hold"/>
+                                        <p:cTn id="77" dur="500" fill="hold"/>
                                         <p:tgtEl>
                                           <p:spTgt spid="7">
                                             <p:txEl>
@@ -5498,26 +5575,26 @@
                     </p:cTn>
                   </p:par>
                   <p:par>
-                    <p:cTn id="74" fill="hold">
+                    <p:cTn id="78" fill="hold">
                       <p:stCondLst>
                         <p:cond delay="indefinite"/>
                       </p:stCondLst>
                       <p:childTnLst>
                         <p:par>
-                          <p:cTn id="75" fill="hold">
+                          <p:cTn id="79" fill="hold">
                             <p:stCondLst>
                               <p:cond delay="0"/>
                             </p:stCondLst>
                             <p:childTnLst>
                               <p:par>
-                                <p:cTn id="76" presetID="2" presetClass="entr" presetSubtype="4" fill="hold" grpId="0" nodeType="clickEffect">
+                                <p:cTn id="80" presetID="2" presetClass="entr" presetSubtype="4" fill="hold" grpId="0" nodeType="clickEffect">
                                   <p:stCondLst>
                                     <p:cond delay="0"/>
                                   </p:stCondLst>
                                   <p:childTnLst>
                                     <p:set>
                                       <p:cBhvr>
-                                        <p:cTn id="77" dur="1" fill="hold">
+                                        <p:cTn id="81" dur="1" fill="hold">
                                           <p:stCondLst>
                                             <p:cond delay="0"/>
                                           </p:stCondLst>
@@ -5539,7 +5616,7 @@
                                     </p:set>
                                     <p:anim calcmode="lin" valueType="num">
                                       <p:cBhvr additive="base">
-                                        <p:cTn id="78" dur="500" fill="hold"/>
+                                        <p:cTn id="82" dur="500" fill="hold"/>
                                         <p:tgtEl>
                                           <p:spTgt spid="7">
                                             <p:txEl>
@@ -5566,7 +5643,7 @@
                                     </p:anim>
                                     <p:anim calcmode="lin" valueType="num">
                                       <p:cBhvr additive="base">
-                                        <p:cTn id="79" dur="500" fill="hold"/>
+                                        <p:cTn id="83" dur="500" fill="hold"/>
                                         <p:tgtEl>
                                           <p:spTgt spid="7">
                                             <p:txEl>
@@ -5601,26 +5678,26 @@
                     </p:cTn>
                   </p:par>
                   <p:par>
-                    <p:cTn id="80" fill="hold">
+                    <p:cTn id="84" fill="hold">
                       <p:stCondLst>
                         <p:cond delay="indefinite"/>
                       </p:stCondLst>
                       <p:childTnLst>
                         <p:par>
-                          <p:cTn id="81" fill="hold">
+                          <p:cTn id="85" fill="hold">
                             <p:stCondLst>
                               <p:cond delay="0"/>
                             </p:stCondLst>
                             <p:childTnLst>
                               <p:par>
-                                <p:cTn id="82" presetID="2" presetClass="entr" presetSubtype="4" fill="hold" grpId="0" nodeType="clickEffect">
+                                <p:cTn id="86" presetID="2" presetClass="entr" presetSubtype="4" fill="hold" grpId="0" nodeType="clickEffect">
                                   <p:stCondLst>
                                     <p:cond delay="0"/>
                                   </p:stCondLst>
                                   <p:childTnLst>
                                     <p:set>
                                       <p:cBhvr>
-                                        <p:cTn id="83" dur="1" fill="hold">
+                                        <p:cTn id="87" dur="1" fill="hold">
                                           <p:stCondLst>
                                             <p:cond delay="0"/>
                                           </p:stCondLst>
@@ -5642,7 +5719,7 @@
                                     </p:set>
                                     <p:anim calcmode="lin" valueType="num">
                                       <p:cBhvr additive="base">
-                                        <p:cTn id="84" dur="500" fill="hold"/>
+                                        <p:cTn id="88" dur="500" fill="hold"/>
                                         <p:tgtEl>
                                           <p:spTgt spid="7">
                                             <p:txEl>
@@ -5669,7 +5746,7 @@
                                     </p:anim>
                                     <p:anim calcmode="lin" valueType="num">
                                       <p:cBhvr additive="base">
-                                        <p:cTn id="85" dur="500" fill="hold"/>
+                                        <p:cTn id="89" dur="500" fill="hold"/>
                                         <p:tgtEl>
                                           <p:spTgt spid="7">
                                             <p:txEl>
@@ -8220,7 +8297,7 @@
           </p:cNvPicPr>
           <p:nvPr/>
         </p:nvPicPr>
-        <p:blipFill rotWithShape="1">
+        <p:blipFill>
           <a:blip r:embed="rId2">
             <a:extLst>
               <a:ext uri="{28A0092B-C50C-407E-A947-70E740481C1C}">
@@ -8228,13 +8305,14 @@
               </a:ext>
             </a:extLst>
           </a:blip>
-          <a:srcRect l="15040" t="6725" r="15009"/>
-          <a:stretch/>
+          <a:stretch>
+            <a:fillRect/>
+          </a:stretch>
         </p:blipFill>
         <p:spPr>
           <a:xfrm>
-            <a:off x="5472376" y="1380468"/>
-            <a:ext cx="5832852" cy="5060643"/>
+            <a:off x="5365166" y="1677282"/>
+            <a:ext cx="6047271" cy="4527636"/>
           </a:xfrm>
           <a:prstGeom prst="rect">
             <a:avLst/>
@@ -9126,11 +9204,7 @@
                                           </p:stCondLst>
                                         </p:cTn>
                                         <p:tgtEl>
-                                          <p:spTgt spid="3">
-                                            <p:txEl>
-                                              <p:pRg st="0" end="0"/>
-                                            </p:txEl>
-                                          </p:spTgt>
+                                          <p:spTgt spid="3"/>
                                         </p:tgtEl>
                                         <p:attrNameLst>
                                           <p:attrName>style.visibility</p:attrName>
@@ -9144,11 +9218,7 @@
                                       <p:cBhvr additive="base">
                                         <p:cTn id="15" dur="500" fill="hold"/>
                                         <p:tgtEl>
-                                          <p:spTgt spid="3">
-                                            <p:txEl>
-                                              <p:pRg st="0" end="0"/>
-                                            </p:txEl>
-                                          </p:spTgt>
+                                          <p:spTgt spid="3"/>
                                         </p:tgtEl>
                                         <p:attrNameLst>
                                           <p:attrName>ppt_x</p:attrName>
@@ -9171,11 +9241,7 @@
                                       <p:cBhvr additive="base">
                                         <p:cTn id="16" dur="500" fill="hold"/>
                                         <p:tgtEl>
-                                          <p:spTgt spid="3">
-                                            <p:txEl>
-                                              <p:pRg st="0" end="0"/>
-                                            </p:txEl>
-                                          </p:spTgt>
+                                          <p:spTgt spid="3"/>
                                         </p:tgtEl>
                                         <p:attrNameLst>
                                           <p:attrName>ppt_y</p:attrName>
@@ -9216,24 +9282,93 @@
                             </p:stCondLst>
                             <p:childTnLst>
                               <p:par>
-                                <p:cTn id="19" presetID="2" presetClass="entr" presetSubtype="4" fill="hold" grpId="0" nodeType="clickEffect">
+                                <p:cTn id="19" presetID="2" presetClass="exit" presetSubtype="4" fill="hold" grpId="1" nodeType="clickEffect">
+                                  <p:stCondLst>
+                                    <p:cond delay="0"/>
+                                  </p:stCondLst>
+                                  <p:childTnLst>
+                                    <p:anim calcmode="lin" valueType="num">
+                                      <p:cBhvr additive="base">
+                                        <p:cTn id="20" dur="500"/>
+                                        <p:tgtEl>
+                                          <p:spTgt spid="3"/>
+                                        </p:tgtEl>
+                                        <p:attrNameLst>
+                                          <p:attrName>ppt_x</p:attrName>
+                                        </p:attrNameLst>
+                                      </p:cBhvr>
+                                      <p:tavLst>
+                                        <p:tav tm="0">
+                                          <p:val>
+                                            <p:strVal val="ppt_x"/>
+                                          </p:val>
+                                        </p:tav>
+                                        <p:tav tm="100000">
+                                          <p:val>
+                                            <p:strVal val="ppt_x"/>
+                                          </p:val>
+                                        </p:tav>
+                                      </p:tavLst>
+                                    </p:anim>
+                                    <p:anim calcmode="lin" valueType="num">
+                                      <p:cBhvr additive="base">
+                                        <p:cTn id="21" dur="500"/>
+                                        <p:tgtEl>
+                                          <p:spTgt spid="3"/>
+                                        </p:tgtEl>
+                                        <p:attrNameLst>
+                                          <p:attrName>ppt_y</p:attrName>
+                                        </p:attrNameLst>
+                                      </p:cBhvr>
+                                      <p:tavLst>
+                                        <p:tav tm="0">
+                                          <p:val>
+                                            <p:strVal val="ppt_y"/>
+                                          </p:val>
+                                        </p:tav>
+                                        <p:tav tm="100000">
+                                          <p:val>
+                                            <p:strVal val="1+ppt_h/2"/>
+                                          </p:val>
+                                        </p:tav>
+                                      </p:tavLst>
+                                    </p:anim>
+                                    <p:set>
+                                      <p:cBhvr>
+                                        <p:cTn id="22" dur="1" fill="hold">
+                                          <p:stCondLst>
+                                            <p:cond delay="499"/>
+                                          </p:stCondLst>
+                                        </p:cTn>
+                                        <p:tgtEl>
+                                          <p:spTgt spid="3"/>
+                                        </p:tgtEl>
+                                        <p:attrNameLst>
+                                          <p:attrName>style.visibility</p:attrName>
+                                        </p:attrNameLst>
+                                      </p:cBhvr>
+                                      <p:to>
+                                        <p:strVal val="hidden"/>
+                                      </p:to>
+                                    </p:set>
+                                  </p:childTnLst>
+                                </p:cTn>
+                              </p:par>
+                              <p:par>
+                                <p:cTn id="23" presetID="2" presetClass="entr" presetSubtype="4" fill="hold" nodeType="withEffect">
                                   <p:stCondLst>
                                     <p:cond delay="0"/>
                                   </p:stCondLst>
                                   <p:childTnLst>
                                     <p:set>
                                       <p:cBhvr>
-                                        <p:cTn id="20" dur="1" fill="hold">
+                                        <p:cTn id="24" dur="1" fill="hold">
                                           <p:stCondLst>
                                             <p:cond delay="0"/>
                                           </p:stCondLst>
                                         </p:cTn>
                                         <p:tgtEl>
-                                          <p:spTgt spid="3">
-                                            <p:txEl>
-                                              <p:pRg st="1" end="1"/>
-                                            </p:txEl>
-                                          </p:spTgt>
+                                          <p:spTgt spid="14"/>
                                         </p:tgtEl>
                                         <p:attrNameLst>
                                           <p:attrName>style.visibility</p:attrName>
@@ -9245,13 +9380,9 @@
                                     </p:set>
                                     <p:anim calcmode="lin" valueType="num">
                                       <p:cBhvr additive="base">
-                                        <p:cTn id="21" dur="500" fill="hold"/>
-                                        <p:tgtEl>
-                                          <p:spTgt spid="3">
-                                            <p:txEl>
-                                              <p:pRg st="1" end="1"/>
-                                            </p:txEl>
-                                          </p:spTgt>
+                                        <p:cTn id="25" dur="500" fill="hold"/>
+                                        <p:tgtEl>
+                                          <p:spTgt spid="14"/>
                                         </p:tgtEl>
                                         <p:attrNameLst>
                                           <p:attrName>ppt_x</p:attrName>
@@ -9272,13 +9403,9 @@
                                     </p:anim>
                                     <p:anim calcmode="lin" valueType="num">
                                       <p:cBhvr additive="base">
-                                        <p:cTn id="22" dur="500" fill="hold"/>
-                                        <p:tgtEl>
-                                          <p:spTgt spid="3">
-                                            <p:txEl>
-                                              <p:pRg st="1" end="1"/>
-                                            </p:txEl>
-                                          </p:spTgt>
+                                        <p:cTn id="26" dur="500" fill="hold"/>
+                                        <p:tgtEl>
+                                          <p:spTgt spid="14"/>
                                         </p:tgtEl>
                                         <p:attrNameLst>
                                           <p:attrName>ppt_y</p:attrName>
@@ -9297,6 +9424,694 @@
                                         </p:tav>
                                       </p:tavLst>
                                     </p:anim>
+                                  </p:childTnLst>
+                                </p:cTn>
+                              </p:par>
+                            </p:childTnLst>
+                          </p:cTn>
+                        </p:par>
+                      </p:childTnLst>
+                    </p:cTn>
+                  </p:par>
+                </p:childTnLst>
+              </p:cTn>
+              <p:prevCondLst>
+                <p:cond evt="onPrev" delay="0">
+                  <p:tgtEl>
+                    <p:sldTgt/>
+                  </p:tgtEl>
+                </p:cond>
+              </p:prevCondLst>
+              <p:nextCondLst>
+                <p:cond evt="onNext" delay="0">
+                  <p:tgtEl>
+                    <p:sldTgt/>
+                  </p:tgtEl>
+                </p:cond>
+              </p:nextCondLst>
+            </p:seq>
+          </p:childTnLst>
+        </p:cTn>
+      </p:par>
+    </p:tnLst>
+    <p:bldLst>
+      <p:bldP spid="2" grpId="0"/>
+      <p:bldP spid="3" grpId="0"/>
+      <p:bldP spid="3" grpId="1"/>
+      <p:bldP spid="4" grpId="1"/>
+    </p:bldLst>
+  </p:timing>
+</p:sld>
+</file>
+
+<file path=ppt/slides/slide5.xml><?xml version="1.0" encoding="utf-8"?>
+<p:sld xmlns:a="http://schemas.openxmlformats.org/drawingml/2006/main" xmlns:r="http://schemas.openxmlformats.org/officeDocument/2006/relationships" xmlns:p="http://schemas.openxmlformats.org/presentationml/2006/main">
+  <p:cSld>
+    <p:bg>
+      <p:bgPr>
+        <a:gradFill>
+          <a:gsLst>
+            <a:gs pos="0">
+              <a:schemeClr val="accent1">
+                <a:lumMod val="5000"/>
+                <a:lumOff val="95000"/>
+              </a:schemeClr>
+            </a:gs>
+            <a:gs pos="0">
+              <a:schemeClr val="accent1">
+                <a:lumMod val="45000"/>
+                <a:lumOff val="55000"/>
+              </a:schemeClr>
+            </a:gs>
+            <a:gs pos="0">
+              <a:schemeClr val="accent1">
+                <a:lumMod val="45000"/>
+                <a:lumOff val="55000"/>
+              </a:schemeClr>
+            </a:gs>
+            <a:gs pos="75000">
+              <a:srgbClr val="E0F2D9"/>
+            </a:gs>
+            <a:gs pos="100000">
+              <a:schemeClr val="accent1">
+                <a:lumMod val="30000"/>
+                <a:lumOff val="70000"/>
+              </a:schemeClr>
+            </a:gs>
+          </a:gsLst>
+          <a:lin ang="5400000" scaled="1"/>
+        </a:gradFill>
+        <a:effectLst/>
+      </p:bgPr>
+    </p:bg>
+    <p:spTree>
+      <p:nvGrpSpPr>
+        <p:cNvPr id="1" name=""/>
+        <p:cNvGrpSpPr/>
+        <p:nvPr/>
+      </p:nvGrpSpPr>
+      <p:grpSpPr>
+        <a:xfrm>
+          <a:off x="0" y="0"/>
+          <a:ext cx="0" cy="0"/>
+          <a:chOff x="0" y="0"/>
+          <a:chExt cx="0" cy="0"/>
+        </a:xfrm>
+      </p:grpSpPr>
+      <p:sp>
+        <p:nvSpPr>
+          <p:cNvPr id="2" name="TextBox 1">
+            <a:extLst>
+              <a:ext uri="{FF2B5EF4-FFF2-40B4-BE49-F238E27FC236}">
+                <a16:creationId xmlns:a16="http://schemas.microsoft.com/office/drawing/2014/main" id="{4394D767-0337-4461-A1F6-DA6A091DA6A6}"/>
+              </a:ext>
+            </a:extLst>
+          </p:cNvPr>
+          <p:cNvSpPr txBox="1"/>
+          <p:nvPr/>
+        </p:nvSpPr>
+        <p:spPr>
+          <a:xfrm>
+            <a:off x="775219" y="611929"/>
+            <a:ext cx="6913205" cy="830997"/>
+          </a:xfrm>
+          <a:prstGeom prst="rect">
+            <a:avLst/>
+          </a:prstGeom>
+          <a:noFill/>
+        </p:spPr>
+        <p:txBody>
+          <a:bodyPr wrap="square" rtlCol="0">
+            <a:spAutoFit/>
+          </a:bodyPr>
+          <a:lstStyle/>
+          <a:p>
+            <a:r>
+              <a:rPr lang="ru-RU" sz="4800" dirty="0">
+                <a:ln w="3175">
+                  <a:solidFill>
+                    <a:schemeClr val="accent2">
+                      <a:lumMod val="60000"/>
+                      <a:lumOff val="40000"/>
+                    </a:schemeClr>
+                  </a:solidFill>
+                </a:ln>
+                <a:gradFill>
+                  <a:gsLst>
+                    <a:gs pos="10000">
+                      <a:schemeClr val="accent1">
+                        <a:lumMod val="5000"/>
+                        <a:lumOff val="95000"/>
+                      </a:schemeClr>
+                    </a:gs>
+                    <a:gs pos="74000">
+                      <a:schemeClr val="accent1">
+                        <a:lumMod val="45000"/>
+                        <a:lumOff val="55000"/>
+                      </a:schemeClr>
+                    </a:gs>
+                    <a:gs pos="83000">
+                      <a:schemeClr val="accent1">
+                        <a:lumMod val="45000"/>
+                        <a:lumOff val="55000"/>
+                      </a:schemeClr>
+                    </a:gs>
+                    <a:gs pos="100000">
+                      <a:schemeClr val="accent1">
+                        <a:lumMod val="30000"/>
+                        <a:lumOff val="70000"/>
+                      </a:schemeClr>
+                    </a:gs>
+                  </a:gsLst>
+                  <a:lin ang="5400000" scaled="1"/>
+                </a:gradFill>
+                <a:effectLst>
+                  <a:outerShdw blurRad="38100" dist="38100" dir="2700000" algn="tl">
+                    <a:srgbClr val="000000">
+                      <a:alpha val="43137"/>
+                    </a:srgbClr>
+                  </a:outerShdw>
+                  <a:reflection blurRad="6350" stA="55000" endA="300" endPos="45500" dir="5400000" sy="-100000" algn="bl" rotWithShape="0"/>
+                </a:effectLst>
+                <a:latin typeface="Book Antiqua" panose="02040602050305030304" pitchFamily="18" charset="0"/>
+              </a:rPr>
+              <a:t>ТРУДНОСТИ РАБОТЫ</a:t>
+            </a:r>
+          </a:p>
+        </p:txBody>
+      </p:sp>
+      <p:pic>
+        <p:nvPicPr>
+          <p:cNvPr id="7" name="Рисунок 6">
+            <a:extLst>
+              <a:ext uri="{FF2B5EF4-FFF2-40B4-BE49-F238E27FC236}">
+                <a16:creationId xmlns:a16="http://schemas.microsoft.com/office/drawing/2014/main" id="{309487E9-7CAA-41F8-A4C7-C408C2098957}"/>
+              </a:ext>
+            </a:extLst>
+          </p:cNvPr>
+          <p:cNvPicPr>
+            <a:picLocks noChangeAspect="1"/>
+          </p:cNvPicPr>
+          <p:nvPr/>
+        </p:nvPicPr>
+        <p:blipFill rotWithShape="1">
+          <a:blip r:embed="rId2"/>
+          <a:srcRect l="1081" t="7667" r="12091"/>
+          <a:stretch/>
+        </p:blipFill>
+        <p:spPr>
+          <a:xfrm>
+            <a:off x="1769946" y="1769435"/>
+            <a:ext cx="8652108" cy="4600357"/>
+          </a:xfrm>
+          <a:prstGeom prst="rect">
+            <a:avLst/>
+          </a:prstGeom>
+        </p:spPr>
+      </p:pic>
+      <p:pic>
+        <p:nvPicPr>
+          <p:cNvPr id="10" name="Рисунок 9">
+            <a:extLst>
+              <a:ext uri="{FF2B5EF4-FFF2-40B4-BE49-F238E27FC236}">
+                <a16:creationId xmlns:a16="http://schemas.microsoft.com/office/drawing/2014/main" id="{1F5BC973-4B82-4BC8-9E24-839860D9F2E4}"/>
+              </a:ext>
+            </a:extLst>
+          </p:cNvPr>
+          <p:cNvPicPr>
+            <a:picLocks noChangeAspect="1"/>
+          </p:cNvPicPr>
+          <p:nvPr/>
+        </p:nvPicPr>
+        <p:blipFill>
+          <a:blip r:embed="rId3"/>
+          <a:stretch>
+            <a:fillRect/>
+          </a:stretch>
+        </p:blipFill>
+        <p:spPr>
+          <a:xfrm rot="393433">
+            <a:off x="4147705" y="1881812"/>
+            <a:ext cx="3838575" cy="857250"/>
+          </a:xfrm>
+          <a:prstGeom prst="rect">
+            <a:avLst/>
+          </a:prstGeom>
+        </p:spPr>
+      </p:pic>
+      <p:pic>
+        <p:nvPicPr>
+          <p:cNvPr id="14" name="Рисунок 13">
+            <a:extLst>
+              <a:ext uri="{FF2B5EF4-FFF2-40B4-BE49-F238E27FC236}">
+                <a16:creationId xmlns:a16="http://schemas.microsoft.com/office/drawing/2014/main" id="{9D2B0B3B-C662-42A3-BF13-ADC6E0012D46}"/>
+              </a:ext>
+            </a:extLst>
+          </p:cNvPr>
+          <p:cNvPicPr>
+            <a:picLocks noChangeAspect="1"/>
+          </p:cNvPicPr>
+          <p:nvPr/>
+        </p:nvPicPr>
+        <p:blipFill>
+          <a:blip r:embed="rId4"/>
+          <a:stretch>
+            <a:fillRect/>
+          </a:stretch>
+        </p:blipFill>
+        <p:spPr>
+          <a:xfrm rot="21419088">
+            <a:off x="1197578" y="1736929"/>
+            <a:ext cx="2816903" cy="3755871"/>
+          </a:xfrm>
+          <a:prstGeom prst="rect">
+            <a:avLst/>
+          </a:prstGeom>
+        </p:spPr>
+      </p:pic>
+      <p:pic>
+        <p:nvPicPr>
+          <p:cNvPr id="16" name="Рисунок 15">
+            <a:extLst>
+              <a:ext uri="{FF2B5EF4-FFF2-40B4-BE49-F238E27FC236}">
+                <a16:creationId xmlns:a16="http://schemas.microsoft.com/office/drawing/2014/main" id="{4629B76C-316D-43BD-9FDD-B8C3BE821851}"/>
+              </a:ext>
+            </a:extLst>
+          </p:cNvPr>
+          <p:cNvPicPr>
+            <a:picLocks noChangeAspect="1"/>
+          </p:cNvPicPr>
+          <p:nvPr/>
+        </p:nvPicPr>
+        <p:blipFill rotWithShape="1">
+          <a:blip r:embed="rId5"/>
+          <a:srcRect l="7577" r="5845"/>
+          <a:stretch/>
+        </p:blipFill>
+        <p:spPr>
+          <a:xfrm rot="21360747">
+            <a:off x="4475204" y="3215689"/>
+            <a:ext cx="3972925" cy="2205624"/>
+          </a:xfrm>
+          <a:prstGeom prst="rect">
+            <a:avLst/>
+          </a:prstGeom>
+        </p:spPr>
+      </p:pic>
+      <p:pic>
+        <p:nvPicPr>
+          <p:cNvPr id="18" name="Рисунок 17">
+            <a:extLst>
+              <a:ext uri="{FF2B5EF4-FFF2-40B4-BE49-F238E27FC236}">
+                <a16:creationId xmlns:a16="http://schemas.microsoft.com/office/drawing/2014/main" id="{9944B8CF-0078-4BF2-A6DE-EC264FA56892}"/>
+              </a:ext>
+            </a:extLst>
+          </p:cNvPr>
+          <p:cNvPicPr>
+            <a:picLocks noChangeAspect="1"/>
+          </p:cNvPicPr>
+          <p:nvPr/>
+        </p:nvPicPr>
+        <p:blipFill>
+          <a:blip r:embed="rId6"/>
+          <a:stretch>
+            <a:fillRect/>
+          </a:stretch>
+        </p:blipFill>
+        <p:spPr>
+          <a:xfrm rot="473074">
+            <a:off x="924128" y="4743893"/>
+            <a:ext cx="3328792" cy="1292355"/>
+          </a:xfrm>
+          <a:prstGeom prst="rect">
+            <a:avLst/>
+          </a:prstGeom>
+        </p:spPr>
+      </p:pic>
+      <p:pic>
+        <p:nvPicPr>
+          <p:cNvPr id="20" name="Рисунок 19">
+            <a:extLst>
+              <a:ext uri="{FF2B5EF4-FFF2-40B4-BE49-F238E27FC236}">
+                <a16:creationId xmlns:a16="http://schemas.microsoft.com/office/drawing/2014/main" id="{6CB7D87D-800C-4A16-90C1-9EB9EF462C1F}"/>
+              </a:ext>
+            </a:extLst>
+          </p:cNvPr>
+          <p:cNvPicPr>
+            <a:picLocks noChangeAspect="1"/>
+          </p:cNvPicPr>
+          <p:nvPr/>
+        </p:nvPicPr>
+        <p:blipFill>
+          <a:blip r:embed="rId7"/>
+          <a:stretch>
+            <a:fillRect/>
+          </a:stretch>
+        </p:blipFill>
+        <p:spPr>
+          <a:xfrm rot="1348203">
+            <a:off x="8157018" y="1433978"/>
+            <a:ext cx="3743325" cy="1143000"/>
+          </a:xfrm>
+          <a:prstGeom prst="rect">
+            <a:avLst/>
+          </a:prstGeom>
+        </p:spPr>
+      </p:pic>
+      <p:pic>
+        <p:nvPicPr>
+          <p:cNvPr id="22" name="Рисунок 21">
+            <a:extLst>
+              <a:ext uri="{FF2B5EF4-FFF2-40B4-BE49-F238E27FC236}">
+                <a16:creationId xmlns:a16="http://schemas.microsoft.com/office/drawing/2014/main" id="{BE454663-602C-4734-B8E7-02172107183B}"/>
+              </a:ext>
+            </a:extLst>
+          </p:cNvPr>
+          <p:cNvPicPr>
+            <a:picLocks noChangeAspect="1"/>
+          </p:cNvPicPr>
+          <p:nvPr/>
+        </p:nvPicPr>
+        <p:blipFill>
+          <a:blip r:embed="rId8"/>
+          <a:stretch>
+            <a:fillRect/>
+          </a:stretch>
+        </p:blipFill>
+        <p:spPr>
+          <a:xfrm rot="20620005">
+            <a:off x="7495765" y="4037891"/>
+            <a:ext cx="4238625" cy="1771650"/>
+          </a:xfrm>
+          <a:prstGeom prst="rect">
+            <a:avLst/>
+          </a:prstGeom>
+        </p:spPr>
+      </p:pic>
+    </p:spTree>
+    <p:extLst>
+      <p:ext uri="{BB962C8B-B14F-4D97-AF65-F5344CB8AC3E}">
+        <p14:creationId xmlns:p14="http://schemas.microsoft.com/office/powerpoint/2010/main" val="1211353207"/>
+      </p:ext>
+    </p:extLst>
+  </p:cSld>
+  <p:clrMapOvr>
+    <a:masterClrMapping/>
+  </p:clrMapOvr>
+  <p:transition spd="slow">
+    <p:push dir="u"/>
+  </p:transition>
+  <p:timing>
+    <p:tnLst>
+      <p:par>
+        <p:cTn id="1" dur="indefinite" restart="never" nodeType="tmRoot">
+          <p:childTnLst>
+            <p:seq concurrent="1" nextAc="seek">
+              <p:cTn id="2" dur="indefinite" nodeType="mainSeq">
+                <p:childTnLst>
+                  <p:par>
+                    <p:cTn id="3" fill="hold">
+                      <p:stCondLst>
+                        <p:cond delay="indefinite"/>
+                        <p:cond evt="onBegin" delay="0">
+                          <p:tn val="2"/>
+                        </p:cond>
+                      </p:stCondLst>
+                      <p:childTnLst>
+                        <p:par>
+                          <p:cTn id="4" fill="hold">
+                            <p:stCondLst>
+                              <p:cond delay="0"/>
+                            </p:stCondLst>
+                            <p:childTnLst>
+                              <p:par>
+                                <p:cTn id="5" presetID="2" presetClass="entr" presetSubtype="1" fill="hold" grpId="0" nodeType="withEffect">
+                                  <p:stCondLst>
+                                    <p:cond delay="0"/>
+                                  </p:stCondLst>
+                                  <p:childTnLst>
+                                    <p:set>
+                                      <p:cBhvr>
+                                        <p:cTn id="6" dur="1" fill="hold">
+                                          <p:stCondLst>
+                                            <p:cond delay="0"/>
+                                          </p:stCondLst>
+                                        </p:cTn>
+                                        <p:tgtEl>
+                                          <p:spTgt spid="2"/>
+                                        </p:tgtEl>
+                                        <p:attrNameLst>
+                                          <p:attrName>style.visibility</p:attrName>
+                                        </p:attrNameLst>
+                                      </p:cBhvr>
+                                      <p:to>
+                                        <p:strVal val="visible"/>
+                                      </p:to>
+                                    </p:set>
+                                    <p:anim calcmode="lin" valueType="num">
+                                      <p:cBhvr additive="base">
+                                        <p:cTn id="7" dur="500" fill="hold"/>
+                                        <p:tgtEl>
+                                          <p:spTgt spid="2"/>
+                                        </p:tgtEl>
+                                        <p:attrNameLst>
+                                          <p:attrName>ppt_x</p:attrName>
+                                        </p:attrNameLst>
+                                      </p:cBhvr>
+                                      <p:tavLst>
+                                        <p:tav tm="0">
+                                          <p:val>
+                                            <p:strVal val="#ppt_x"/>
+                                          </p:val>
+                                        </p:tav>
+                                        <p:tav tm="100000">
+                                          <p:val>
+                                            <p:strVal val="#ppt_x"/>
+                                          </p:val>
+                                        </p:tav>
+                                      </p:tavLst>
+                                    </p:anim>
+                                    <p:anim calcmode="lin" valueType="num">
+                                      <p:cBhvr additive="base">
+                                        <p:cTn id="8" dur="500" fill="hold"/>
+                                        <p:tgtEl>
+                                          <p:spTgt spid="2"/>
+                                        </p:tgtEl>
+                                        <p:attrNameLst>
+                                          <p:attrName>ppt_y</p:attrName>
+                                        </p:attrNameLst>
+                                      </p:cBhvr>
+                                      <p:tavLst>
+                                        <p:tav tm="0">
+                                          <p:val>
+                                            <p:strVal val="0-#ppt_h/2"/>
+                                          </p:val>
+                                        </p:tav>
+                                        <p:tav tm="100000">
+                                          <p:val>
+                                            <p:strVal val="#ppt_y"/>
+                                          </p:val>
+                                        </p:tav>
+                                      </p:tavLst>
+                                    </p:anim>
+                                  </p:childTnLst>
+                                </p:cTn>
+                              </p:par>
+                            </p:childTnLst>
+                          </p:cTn>
+                        </p:par>
+                      </p:childTnLst>
+                    </p:cTn>
+                  </p:par>
+                  <p:par>
+                    <p:cTn id="9" fill="hold">
+                      <p:stCondLst>
+                        <p:cond delay="indefinite"/>
+                      </p:stCondLst>
+                      <p:childTnLst>
+                        <p:par>
+                          <p:cTn id="10" fill="hold">
+                            <p:stCondLst>
+                              <p:cond delay="0"/>
+                            </p:stCondLst>
+                            <p:childTnLst>
+                              <p:par>
+                                <p:cTn id="11" presetID="53" presetClass="entr" presetSubtype="16" fill="hold" nodeType="clickEffect">
+                                  <p:stCondLst>
+                                    <p:cond delay="0"/>
+                                  </p:stCondLst>
+                                  <p:childTnLst>
+                                    <p:set>
+                                      <p:cBhvr>
+                                        <p:cTn id="12" dur="1" fill="hold">
+                                          <p:stCondLst>
+                                            <p:cond delay="0"/>
+                                          </p:stCondLst>
+                                        </p:cTn>
+                                        <p:tgtEl>
+                                          <p:spTgt spid="7"/>
+                                        </p:tgtEl>
+                                        <p:attrNameLst>
+                                          <p:attrName>style.visibility</p:attrName>
+                                        </p:attrNameLst>
+                                      </p:cBhvr>
+                                      <p:to>
+                                        <p:strVal val="visible"/>
+                                      </p:to>
+                                    </p:set>
+                                    <p:anim calcmode="lin" valueType="num">
+                                      <p:cBhvr>
+                                        <p:cTn id="13" dur="250" fill="hold"/>
+                                        <p:tgtEl>
+                                          <p:spTgt spid="7"/>
+                                        </p:tgtEl>
+                                        <p:attrNameLst>
+                                          <p:attrName>ppt_w</p:attrName>
+                                        </p:attrNameLst>
+                                      </p:cBhvr>
+                                      <p:tavLst>
+                                        <p:tav tm="0">
+                                          <p:val>
+                                            <p:fltVal val="0"/>
+                                          </p:val>
+                                        </p:tav>
+                                        <p:tav tm="100000">
+                                          <p:val>
+                                            <p:strVal val="#ppt_w"/>
+                                          </p:val>
+                                        </p:tav>
+                                      </p:tavLst>
+                                    </p:anim>
+                                    <p:anim calcmode="lin" valueType="num">
+                                      <p:cBhvr>
+                                        <p:cTn id="14" dur="250" fill="hold"/>
+                                        <p:tgtEl>
+                                          <p:spTgt spid="7"/>
+                                        </p:tgtEl>
+                                        <p:attrNameLst>
+                                          <p:attrName>ppt_h</p:attrName>
+                                        </p:attrNameLst>
+                                      </p:cBhvr>
+                                      <p:tavLst>
+                                        <p:tav tm="0">
+                                          <p:val>
+                                            <p:fltVal val="0"/>
+                                          </p:val>
+                                        </p:tav>
+                                        <p:tav tm="100000">
+                                          <p:val>
+                                            <p:strVal val="#ppt_h"/>
+                                          </p:val>
+                                        </p:tav>
+                                      </p:tavLst>
+                                    </p:anim>
+                                    <p:animEffect transition="in" filter="fade">
+                                      <p:cBhvr>
+                                        <p:cTn id="15" dur="250"/>
+                                        <p:tgtEl>
+                                          <p:spTgt spid="7"/>
+                                        </p:tgtEl>
+                                      </p:cBhvr>
+                                    </p:animEffect>
+                                  </p:childTnLst>
+                                </p:cTn>
+                              </p:par>
+                            </p:childTnLst>
+                          </p:cTn>
+                        </p:par>
+                      </p:childTnLst>
+                    </p:cTn>
+                  </p:par>
+                  <p:par>
+                    <p:cTn id="16" fill="hold">
+                      <p:stCondLst>
+                        <p:cond delay="indefinite"/>
+                      </p:stCondLst>
+                      <p:childTnLst>
+                        <p:par>
+                          <p:cTn id="17" fill="hold">
+                            <p:stCondLst>
+                              <p:cond delay="0"/>
+                            </p:stCondLst>
+                            <p:childTnLst>
+                              <p:par>
+                                <p:cTn id="18" presetID="53" presetClass="entr" presetSubtype="16" fill="hold" nodeType="clickEffect">
+                                  <p:stCondLst>
+                                    <p:cond delay="0"/>
+                                  </p:stCondLst>
+                                  <p:childTnLst>
+                                    <p:set>
+                                      <p:cBhvr>
+                                        <p:cTn id="19" dur="1" fill="hold">
+                                          <p:stCondLst>
+                                            <p:cond delay="0"/>
+                                          </p:stCondLst>
+                                        </p:cTn>
+                                        <p:tgtEl>
+                                          <p:spTgt spid="14"/>
+                                        </p:tgtEl>
+                                        <p:attrNameLst>
+                                          <p:attrName>style.visibility</p:attrName>
+                                        </p:attrNameLst>
+                                      </p:cBhvr>
+                                      <p:to>
+                                        <p:strVal val="visible"/>
+                                      </p:to>
+                                    </p:set>
+                                    <p:anim calcmode="lin" valueType="num">
+                                      <p:cBhvr>
+                                        <p:cTn id="20" dur="250" fill="hold"/>
+                                        <p:tgtEl>
+                                          <p:spTgt spid="14"/>
+                                        </p:tgtEl>
+                                        <p:attrNameLst>
+                                          <p:attrName>ppt_w</p:attrName>
+                                        </p:attrNameLst>
+                                      </p:cBhvr>
+                                      <p:tavLst>
+                                        <p:tav tm="0">
+                                          <p:val>
+                                            <p:fltVal val="0"/>
+                                          </p:val>
+                                        </p:tav>
+                                        <p:tav tm="100000">
+                                          <p:val>
+                                            <p:strVal val="#ppt_w"/>
+                                          </p:val>
+                                        </p:tav>
+                                      </p:tavLst>
+                                    </p:anim>
+                                    <p:anim calcmode="lin" valueType="num">
+                                      <p:cBhvr>
+                                        <p:cTn id="21" dur="250" fill="hold"/>
+                                        <p:tgtEl>
+                                          <p:spTgt spid="14"/>
+                                        </p:tgtEl>
+                                        <p:attrNameLst>
+                                          <p:attrName>ppt_h</p:attrName>
+                                        </p:attrNameLst>
+                                      </p:cBhvr>
+                                      <p:tavLst>
+                                        <p:tav tm="0">
+                                          <p:val>
+                                            <p:fltVal val="0"/>
+                                          </p:val>
+                                        </p:tav>
+                                        <p:tav tm="100000">
+                                          <p:val>
+                                            <p:strVal val="#ppt_h"/>
+                                          </p:val>
+                                        </p:tav>
+                                      </p:tavLst>
+                                    </p:anim>
+                                    <p:animEffect transition="in" filter="fade">
+                                      <p:cBhvr>
+                                        <p:cTn id="22" dur="250"/>
+                                        <p:tgtEl>
+                                          <p:spTgt spid="14"/>
+                                        </p:tgtEl>
+                                      </p:cBhvr>
+                                    </p:animEffect>
                                   </p:childTnLst>
                                 </p:cTn>
                               </p:par>
@@ -9319,7 +10134,7 @@
                             </p:stCondLst>
                             <p:childTnLst>
                               <p:par>
-                                <p:cTn id="25" presetID="2" presetClass="entr" presetSubtype="4" fill="hold" grpId="0" nodeType="clickEffect">
+                                <p:cTn id="25" presetID="53" presetClass="entr" presetSubtype="16" fill="hold" nodeType="clickEffect">
                                   <p:stCondLst>
                                     <p:cond delay="0"/>
                                   </p:stCondLst>
@@ -9332,11 +10147,1022 @@
                                           </p:stCondLst>
                                         </p:cTn>
                                         <p:tgtEl>
-                                          <p:spTgt spid="3">
-                                            <p:txEl>
-                                              <p:pRg st="2" end="2"/>
-                                            </p:txEl>
-                                          </p:spTgt>
+                                          <p:spTgt spid="20"/>
+                                        </p:tgtEl>
+                                        <p:attrNameLst>
+                                          <p:attrName>style.visibility</p:attrName>
+                                        </p:attrNameLst>
+                                      </p:cBhvr>
+                                      <p:to>
+                                        <p:strVal val="visible"/>
+                                      </p:to>
+                                    </p:set>
+                                    <p:anim calcmode="lin" valueType="num">
+                                      <p:cBhvr>
+                                        <p:cTn id="27" dur="250" fill="hold"/>
+                                        <p:tgtEl>
+                                          <p:spTgt spid="20"/>
+                                        </p:tgtEl>
+                                        <p:attrNameLst>
+                                          <p:attrName>ppt_w</p:attrName>
+                                        </p:attrNameLst>
+                                      </p:cBhvr>
+                                      <p:tavLst>
+                                        <p:tav tm="0">
+                                          <p:val>
+                                            <p:fltVal val="0"/>
+                                          </p:val>
+                                        </p:tav>
+                                        <p:tav tm="100000">
+                                          <p:val>
+                                            <p:strVal val="#ppt_w"/>
+                                          </p:val>
+                                        </p:tav>
+                                      </p:tavLst>
+                                    </p:anim>
+                                    <p:anim calcmode="lin" valueType="num">
+                                      <p:cBhvr>
+                                        <p:cTn id="28" dur="250" fill="hold"/>
+                                        <p:tgtEl>
+                                          <p:spTgt spid="20"/>
+                                        </p:tgtEl>
+                                        <p:attrNameLst>
+                                          <p:attrName>ppt_h</p:attrName>
+                                        </p:attrNameLst>
+                                      </p:cBhvr>
+                                      <p:tavLst>
+                                        <p:tav tm="0">
+                                          <p:val>
+                                            <p:fltVal val="0"/>
+                                          </p:val>
+                                        </p:tav>
+                                        <p:tav tm="100000">
+                                          <p:val>
+                                            <p:strVal val="#ppt_h"/>
+                                          </p:val>
+                                        </p:tav>
+                                      </p:tavLst>
+                                    </p:anim>
+                                    <p:animEffect transition="in" filter="fade">
+                                      <p:cBhvr>
+                                        <p:cTn id="29" dur="250"/>
+                                        <p:tgtEl>
+                                          <p:spTgt spid="20"/>
+                                        </p:tgtEl>
+                                      </p:cBhvr>
+                                    </p:animEffect>
+                                  </p:childTnLst>
+                                </p:cTn>
+                              </p:par>
+                            </p:childTnLst>
+                          </p:cTn>
+                        </p:par>
+                      </p:childTnLst>
+                    </p:cTn>
+                  </p:par>
+                  <p:par>
+                    <p:cTn id="30" fill="hold">
+                      <p:stCondLst>
+                        <p:cond delay="indefinite"/>
+                      </p:stCondLst>
+                      <p:childTnLst>
+                        <p:par>
+                          <p:cTn id="31" fill="hold">
+                            <p:stCondLst>
+                              <p:cond delay="0"/>
+                            </p:stCondLst>
+                            <p:childTnLst>
+                              <p:par>
+                                <p:cTn id="32" presetID="53" presetClass="entr" presetSubtype="16" fill="hold" nodeType="clickEffect">
+                                  <p:stCondLst>
+                                    <p:cond delay="0"/>
+                                  </p:stCondLst>
+                                  <p:childTnLst>
+                                    <p:set>
+                                      <p:cBhvr>
+                                        <p:cTn id="33" dur="1" fill="hold">
+                                          <p:stCondLst>
+                                            <p:cond delay="0"/>
+                                          </p:stCondLst>
+                                        </p:cTn>
+                                        <p:tgtEl>
+                                          <p:spTgt spid="16"/>
+                                        </p:tgtEl>
+                                        <p:attrNameLst>
+                                          <p:attrName>style.visibility</p:attrName>
+                                        </p:attrNameLst>
+                                      </p:cBhvr>
+                                      <p:to>
+                                        <p:strVal val="visible"/>
+                                      </p:to>
+                                    </p:set>
+                                    <p:anim calcmode="lin" valueType="num">
+                                      <p:cBhvr>
+                                        <p:cTn id="34" dur="250" fill="hold"/>
+                                        <p:tgtEl>
+                                          <p:spTgt spid="16"/>
+                                        </p:tgtEl>
+                                        <p:attrNameLst>
+                                          <p:attrName>ppt_w</p:attrName>
+                                        </p:attrNameLst>
+                                      </p:cBhvr>
+                                      <p:tavLst>
+                                        <p:tav tm="0">
+                                          <p:val>
+                                            <p:fltVal val="0"/>
+                                          </p:val>
+                                        </p:tav>
+                                        <p:tav tm="100000">
+                                          <p:val>
+                                            <p:strVal val="#ppt_w"/>
+                                          </p:val>
+                                        </p:tav>
+                                      </p:tavLst>
+                                    </p:anim>
+                                    <p:anim calcmode="lin" valueType="num">
+                                      <p:cBhvr>
+                                        <p:cTn id="35" dur="250" fill="hold"/>
+                                        <p:tgtEl>
+                                          <p:spTgt spid="16"/>
+                                        </p:tgtEl>
+                                        <p:attrNameLst>
+                                          <p:attrName>ppt_h</p:attrName>
+                                        </p:attrNameLst>
+                                      </p:cBhvr>
+                                      <p:tavLst>
+                                        <p:tav tm="0">
+                                          <p:val>
+                                            <p:fltVal val="0"/>
+                                          </p:val>
+                                        </p:tav>
+                                        <p:tav tm="100000">
+                                          <p:val>
+                                            <p:strVal val="#ppt_h"/>
+                                          </p:val>
+                                        </p:tav>
+                                      </p:tavLst>
+                                    </p:anim>
+                                    <p:animEffect transition="in" filter="fade">
+                                      <p:cBhvr>
+                                        <p:cTn id="36" dur="250"/>
+                                        <p:tgtEl>
+                                          <p:spTgt spid="16"/>
+                                        </p:tgtEl>
+                                      </p:cBhvr>
+                                    </p:animEffect>
+                                  </p:childTnLst>
+                                </p:cTn>
+                              </p:par>
+                            </p:childTnLst>
+                          </p:cTn>
+                        </p:par>
+                      </p:childTnLst>
+                    </p:cTn>
+                  </p:par>
+                  <p:par>
+                    <p:cTn id="37" fill="hold">
+                      <p:stCondLst>
+                        <p:cond delay="indefinite"/>
+                      </p:stCondLst>
+                      <p:childTnLst>
+                        <p:par>
+                          <p:cTn id="38" fill="hold">
+                            <p:stCondLst>
+                              <p:cond delay="0"/>
+                            </p:stCondLst>
+                            <p:childTnLst>
+                              <p:par>
+                                <p:cTn id="39" presetID="53" presetClass="entr" presetSubtype="16" fill="hold" nodeType="clickEffect">
+                                  <p:stCondLst>
+                                    <p:cond delay="0"/>
+                                  </p:stCondLst>
+                                  <p:childTnLst>
+                                    <p:set>
+                                      <p:cBhvr>
+                                        <p:cTn id="40" dur="1" fill="hold">
+                                          <p:stCondLst>
+                                            <p:cond delay="0"/>
+                                          </p:stCondLst>
+                                        </p:cTn>
+                                        <p:tgtEl>
+                                          <p:spTgt spid="22"/>
+                                        </p:tgtEl>
+                                        <p:attrNameLst>
+                                          <p:attrName>style.visibility</p:attrName>
+                                        </p:attrNameLst>
+                                      </p:cBhvr>
+                                      <p:to>
+                                        <p:strVal val="visible"/>
+                                      </p:to>
+                                    </p:set>
+                                    <p:anim calcmode="lin" valueType="num">
+                                      <p:cBhvr>
+                                        <p:cTn id="41" dur="250" fill="hold"/>
+                                        <p:tgtEl>
+                                          <p:spTgt spid="22"/>
+                                        </p:tgtEl>
+                                        <p:attrNameLst>
+                                          <p:attrName>ppt_w</p:attrName>
+                                        </p:attrNameLst>
+                                      </p:cBhvr>
+                                      <p:tavLst>
+                                        <p:tav tm="0">
+                                          <p:val>
+                                            <p:fltVal val="0"/>
+                                          </p:val>
+                                        </p:tav>
+                                        <p:tav tm="100000">
+                                          <p:val>
+                                            <p:strVal val="#ppt_w"/>
+                                          </p:val>
+                                        </p:tav>
+                                      </p:tavLst>
+                                    </p:anim>
+                                    <p:anim calcmode="lin" valueType="num">
+                                      <p:cBhvr>
+                                        <p:cTn id="42" dur="250" fill="hold"/>
+                                        <p:tgtEl>
+                                          <p:spTgt spid="22"/>
+                                        </p:tgtEl>
+                                        <p:attrNameLst>
+                                          <p:attrName>ppt_h</p:attrName>
+                                        </p:attrNameLst>
+                                      </p:cBhvr>
+                                      <p:tavLst>
+                                        <p:tav tm="0">
+                                          <p:val>
+                                            <p:fltVal val="0"/>
+                                          </p:val>
+                                        </p:tav>
+                                        <p:tav tm="100000">
+                                          <p:val>
+                                            <p:strVal val="#ppt_h"/>
+                                          </p:val>
+                                        </p:tav>
+                                      </p:tavLst>
+                                    </p:anim>
+                                    <p:animEffect transition="in" filter="fade">
+                                      <p:cBhvr>
+                                        <p:cTn id="43" dur="250"/>
+                                        <p:tgtEl>
+                                          <p:spTgt spid="22"/>
+                                        </p:tgtEl>
+                                      </p:cBhvr>
+                                    </p:animEffect>
+                                  </p:childTnLst>
+                                </p:cTn>
+                              </p:par>
+                            </p:childTnLst>
+                          </p:cTn>
+                        </p:par>
+                      </p:childTnLst>
+                    </p:cTn>
+                  </p:par>
+                  <p:par>
+                    <p:cTn id="44" fill="hold">
+                      <p:stCondLst>
+                        <p:cond delay="indefinite"/>
+                      </p:stCondLst>
+                      <p:childTnLst>
+                        <p:par>
+                          <p:cTn id="45" fill="hold">
+                            <p:stCondLst>
+                              <p:cond delay="0"/>
+                            </p:stCondLst>
+                            <p:childTnLst>
+                              <p:par>
+                                <p:cTn id="46" presetID="53" presetClass="entr" presetSubtype="16" fill="hold" nodeType="clickEffect">
+                                  <p:stCondLst>
+                                    <p:cond delay="0"/>
+                                  </p:stCondLst>
+                                  <p:childTnLst>
+                                    <p:set>
+                                      <p:cBhvr>
+                                        <p:cTn id="47" dur="1" fill="hold">
+                                          <p:stCondLst>
+                                            <p:cond delay="0"/>
+                                          </p:stCondLst>
+                                        </p:cTn>
+                                        <p:tgtEl>
+                                          <p:spTgt spid="18"/>
+                                        </p:tgtEl>
+                                        <p:attrNameLst>
+                                          <p:attrName>style.visibility</p:attrName>
+                                        </p:attrNameLst>
+                                      </p:cBhvr>
+                                      <p:to>
+                                        <p:strVal val="visible"/>
+                                      </p:to>
+                                    </p:set>
+                                    <p:anim calcmode="lin" valueType="num">
+                                      <p:cBhvr>
+                                        <p:cTn id="48" dur="250" fill="hold"/>
+                                        <p:tgtEl>
+                                          <p:spTgt spid="18"/>
+                                        </p:tgtEl>
+                                        <p:attrNameLst>
+                                          <p:attrName>ppt_w</p:attrName>
+                                        </p:attrNameLst>
+                                      </p:cBhvr>
+                                      <p:tavLst>
+                                        <p:tav tm="0">
+                                          <p:val>
+                                            <p:fltVal val="0"/>
+                                          </p:val>
+                                        </p:tav>
+                                        <p:tav tm="100000">
+                                          <p:val>
+                                            <p:strVal val="#ppt_w"/>
+                                          </p:val>
+                                        </p:tav>
+                                      </p:tavLst>
+                                    </p:anim>
+                                    <p:anim calcmode="lin" valueType="num">
+                                      <p:cBhvr>
+                                        <p:cTn id="49" dur="250" fill="hold"/>
+                                        <p:tgtEl>
+                                          <p:spTgt spid="18"/>
+                                        </p:tgtEl>
+                                        <p:attrNameLst>
+                                          <p:attrName>ppt_h</p:attrName>
+                                        </p:attrNameLst>
+                                      </p:cBhvr>
+                                      <p:tavLst>
+                                        <p:tav tm="0">
+                                          <p:val>
+                                            <p:fltVal val="0"/>
+                                          </p:val>
+                                        </p:tav>
+                                        <p:tav tm="100000">
+                                          <p:val>
+                                            <p:strVal val="#ppt_h"/>
+                                          </p:val>
+                                        </p:tav>
+                                      </p:tavLst>
+                                    </p:anim>
+                                    <p:animEffect transition="in" filter="fade">
+                                      <p:cBhvr>
+                                        <p:cTn id="50" dur="250"/>
+                                        <p:tgtEl>
+                                          <p:spTgt spid="18"/>
+                                        </p:tgtEl>
+                                      </p:cBhvr>
+                                    </p:animEffect>
+                                  </p:childTnLst>
+                                </p:cTn>
+                              </p:par>
+                            </p:childTnLst>
+                          </p:cTn>
+                        </p:par>
+                      </p:childTnLst>
+                    </p:cTn>
+                  </p:par>
+                  <p:par>
+                    <p:cTn id="51" fill="hold">
+                      <p:stCondLst>
+                        <p:cond delay="indefinite"/>
+                      </p:stCondLst>
+                      <p:childTnLst>
+                        <p:par>
+                          <p:cTn id="52" fill="hold">
+                            <p:stCondLst>
+                              <p:cond delay="0"/>
+                            </p:stCondLst>
+                            <p:childTnLst>
+                              <p:par>
+                                <p:cTn id="53" presetID="53" presetClass="entr" presetSubtype="16" fill="hold" nodeType="clickEffect">
+                                  <p:stCondLst>
+                                    <p:cond delay="0"/>
+                                  </p:stCondLst>
+                                  <p:childTnLst>
+                                    <p:set>
+                                      <p:cBhvr>
+                                        <p:cTn id="54" dur="1" fill="hold">
+                                          <p:stCondLst>
+                                            <p:cond delay="0"/>
+                                          </p:stCondLst>
+                                        </p:cTn>
+                                        <p:tgtEl>
+                                          <p:spTgt spid="10"/>
+                                        </p:tgtEl>
+                                        <p:attrNameLst>
+                                          <p:attrName>style.visibility</p:attrName>
+                                        </p:attrNameLst>
+                                      </p:cBhvr>
+                                      <p:to>
+                                        <p:strVal val="visible"/>
+                                      </p:to>
+                                    </p:set>
+                                    <p:anim calcmode="lin" valueType="num">
+                                      <p:cBhvr>
+                                        <p:cTn id="55" dur="250" fill="hold"/>
+                                        <p:tgtEl>
+                                          <p:spTgt spid="10"/>
+                                        </p:tgtEl>
+                                        <p:attrNameLst>
+                                          <p:attrName>ppt_w</p:attrName>
+                                        </p:attrNameLst>
+                                      </p:cBhvr>
+                                      <p:tavLst>
+                                        <p:tav tm="0">
+                                          <p:val>
+                                            <p:fltVal val="0"/>
+                                          </p:val>
+                                        </p:tav>
+                                        <p:tav tm="100000">
+                                          <p:val>
+                                            <p:strVal val="#ppt_w"/>
+                                          </p:val>
+                                        </p:tav>
+                                      </p:tavLst>
+                                    </p:anim>
+                                    <p:anim calcmode="lin" valueType="num">
+                                      <p:cBhvr>
+                                        <p:cTn id="56" dur="250" fill="hold"/>
+                                        <p:tgtEl>
+                                          <p:spTgt spid="10"/>
+                                        </p:tgtEl>
+                                        <p:attrNameLst>
+                                          <p:attrName>ppt_h</p:attrName>
+                                        </p:attrNameLst>
+                                      </p:cBhvr>
+                                      <p:tavLst>
+                                        <p:tav tm="0">
+                                          <p:val>
+                                            <p:fltVal val="0"/>
+                                          </p:val>
+                                        </p:tav>
+                                        <p:tav tm="100000">
+                                          <p:val>
+                                            <p:strVal val="#ppt_h"/>
+                                          </p:val>
+                                        </p:tav>
+                                      </p:tavLst>
+                                    </p:anim>
+                                    <p:animEffect transition="in" filter="fade">
+                                      <p:cBhvr>
+                                        <p:cTn id="57" dur="250"/>
+                                        <p:tgtEl>
+                                          <p:spTgt spid="10"/>
+                                        </p:tgtEl>
+                                      </p:cBhvr>
+                                    </p:animEffect>
+                                  </p:childTnLst>
+                                </p:cTn>
+                              </p:par>
+                            </p:childTnLst>
+                          </p:cTn>
+                        </p:par>
+                      </p:childTnLst>
+                    </p:cTn>
+                  </p:par>
+                </p:childTnLst>
+              </p:cTn>
+              <p:prevCondLst>
+                <p:cond evt="onPrev" delay="0">
+                  <p:tgtEl>
+                    <p:sldTgt/>
+                  </p:tgtEl>
+                </p:cond>
+              </p:prevCondLst>
+              <p:nextCondLst>
+                <p:cond evt="onNext" delay="0">
+                  <p:tgtEl>
+                    <p:sldTgt/>
+                  </p:tgtEl>
+                </p:cond>
+              </p:nextCondLst>
+            </p:seq>
+          </p:childTnLst>
+        </p:cTn>
+      </p:par>
+    </p:tnLst>
+    <p:bldLst>
+      <p:bldP spid="2" grpId="0"/>
+    </p:bldLst>
+  </p:timing>
+</p:sld>
+</file>
+
+<file path=ppt/slides/slide6.xml><?xml version="1.0" encoding="utf-8"?>
+<p:sld xmlns:a="http://schemas.openxmlformats.org/drawingml/2006/main" xmlns:r="http://schemas.openxmlformats.org/officeDocument/2006/relationships" xmlns:p="http://schemas.openxmlformats.org/presentationml/2006/main">
+  <p:cSld>
+    <p:bg>
+      <p:bgPr>
+        <a:gradFill>
+          <a:gsLst>
+            <a:gs pos="0">
+              <a:schemeClr val="accent1">
+                <a:lumMod val="5000"/>
+                <a:lumOff val="95000"/>
+              </a:schemeClr>
+            </a:gs>
+            <a:gs pos="0">
+              <a:schemeClr val="accent1">
+                <a:lumMod val="45000"/>
+                <a:lumOff val="55000"/>
+              </a:schemeClr>
+            </a:gs>
+            <a:gs pos="0">
+              <a:schemeClr val="accent1">
+                <a:lumMod val="45000"/>
+                <a:lumOff val="55000"/>
+              </a:schemeClr>
+            </a:gs>
+            <a:gs pos="75000">
+              <a:srgbClr val="E0F2D9"/>
+            </a:gs>
+            <a:gs pos="100000">
+              <a:schemeClr val="accent1">
+                <a:lumMod val="30000"/>
+                <a:lumOff val="70000"/>
+              </a:schemeClr>
+            </a:gs>
+          </a:gsLst>
+          <a:lin ang="5400000" scaled="1"/>
+        </a:gradFill>
+        <a:effectLst/>
+      </p:bgPr>
+    </p:bg>
+    <p:spTree>
+      <p:nvGrpSpPr>
+        <p:cNvPr id="1" name=""/>
+        <p:cNvGrpSpPr/>
+        <p:nvPr/>
+      </p:nvGrpSpPr>
+      <p:grpSpPr>
+        <a:xfrm>
+          <a:off x="0" y="0"/>
+          <a:ext cx="0" cy="0"/>
+          <a:chOff x="0" y="0"/>
+          <a:chExt cx="0" cy="0"/>
+        </a:xfrm>
+      </p:grpSpPr>
+      <p:sp>
+        <p:nvSpPr>
+          <p:cNvPr id="2" name="TextBox 1">
+            <a:extLst>
+              <a:ext uri="{FF2B5EF4-FFF2-40B4-BE49-F238E27FC236}">
+                <a16:creationId xmlns:a16="http://schemas.microsoft.com/office/drawing/2014/main" id="{4394D767-0337-4461-A1F6-DA6A091DA6A6}"/>
+              </a:ext>
+            </a:extLst>
+          </p:cNvPr>
+          <p:cNvSpPr txBox="1"/>
+          <p:nvPr/>
+        </p:nvSpPr>
+        <p:spPr>
+          <a:xfrm>
+            <a:off x="859195" y="754435"/>
+            <a:ext cx="7693134" cy="830997"/>
+          </a:xfrm>
+          <a:prstGeom prst="rect">
+            <a:avLst/>
+          </a:prstGeom>
+          <a:noFill/>
+        </p:spPr>
+        <p:txBody>
+          <a:bodyPr wrap="square" rtlCol="0">
+            <a:spAutoFit/>
+          </a:bodyPr>
+          <a:lstStyle/>
+          <a:p>
+            <a:r>
+              <a:rPr lang="ru-RU" sz="4800" dirty="0">
+                <a:ln w="3175">
+                  <a:solidFill>
+                    <a:schemeClr val="accent2">
+                      <a:lumMod val="60000"/>
+                      <a:lumOff val="40000"/>
+                    </a:schemeClr>
+                  </a:solidFill>
+                </a:ln>
+                <a:gradFill>
+                  <a:gsLst>
+                    <a:gs pos="10000">
+                      <a:schemeClr val="accent1">
+                        <a:lumMod val="5000"/>
+                        <a:lumOff val="95000"/>
+                      </a:schemeClr>
+                    </a:gs>
+                    <a:gs pos="74000">
+                      <a:schemeClr val="accent1">
+                        <a:lumMod val="45000"/>
+                        <a:lumOff val="55000"/>
+                      </a:schemeClr>
+                    </a:gs>
+                    <a:gs pos="83000">
+                      <a:schemeClr val="accent1">
+                        <a:lumMod val="45000"/>
+                        <a:lumOff val="55000"/>
+                      </a:schemeClr>
+                    </a:gs>
+                    <a:gs pos="100000">
+                      <a:schemeClr val="accent1">
+                        <a:lumMod val="30000"/>
+                        <a:lumOff val="70000"/>
+                      </a:schemeClr>
+                    </a:gs>
+                  </a:gsLst>
+                  <a:lin ang="5400000" scaled="1"/>
+                </a:gradFill>
+                <a:effectLst>
+                  <a:outerShdw blurRad="38100" dist="38100" dir="2700000" algn="tl">
+                    <a:srgbClr val="000000">
+                      <a:alpha val="43137"/>
+                    </a:srgbClr>
+                  </a:outerShdw>
+                  <a:reflection blurRad="6350" stA="55000" endA="300" endPos="45500" dir="5400000" sy="-100000" algn="bl" rotWithShape="0"/>
+                </a:effectLst>
+                <a:latin typeface="Book Antiqua" panose="02040602050305030304" pitchFamily="18" charset="0"/>
+              </a:rPr>
+              <a:t>ДАЛЬНЕЙШИЕ ПЛАНЫ</a:t>
+            </a:r>
+          </a:p>
+        </p:txBody>
+      </p:sp>
+      <p:sp>
+        <p:nvSpPr>
+          <p:cNvPr id="3" name="TextBox 2">
+            <a:extLst>
+              <a:ext uri="{FF2B5EF4-FFF2-40B4-BE49-F238E27FC236}">
+                <a16:creationId xmlns:a16="http://schemas.microsoft.com/office/drawing/2014/main" id="{E914A451-C34E-493D-B3A7-EECF08E66C4E}"/>
+              </a:ext>
+            </a:extLst>
+          </p:cNvPr>
+          <p:cNvSpPr txBox="1"/>
+          <p:nvPr/>
+        </p:nvSpPr>
+        <p:spPr>
+          <a:xfrm>
+            <a:off x="5469658" y="2230028"/>
+            <a:ext cx="5197151" cy="1477328"/>
+          </a:xfrm>
+          <a:prstGeom prst="rect">
+            <a:avLst/>
+          </a:prstGeom>
+          <a:noFill/>
+        </p:spPr>
+        <p:txBody>
+          <a:bodyPr wrap="square" rtlCol="0">
+            <a:spAutoFit/>
+          </a:bodyPr>
+          <a:lstStyle/>
+          <a:p>
+            <a:pPr marL="285750" indent="-285750">
+              <a:buFont typeface="Arial" panose="020B0604020202020204" pitchFamily="34" charset="0"/>
+              <a:buChar char="•"/>
+            </a:pPr>
+            <a:r>
+              <a:rPr lang="ru-RU" dirty="0">
+                <a:solidFill>
+                  <a:schemeClr val="accent1">
+                    <a:lumMod val="75000"/>
+                  </a:schemeClr>
+                </a:solidFill>
+                <a:latin typeface="Book Antiqua" panose="02040602050305030304" pitchFamily="18" charset="0"/>
+              </a:rPr>
+              <a:t>Личный кабинет</a:t>
+            </a:r>
+          </a:p>
+          <a:p>
+            <a:pPr marL="285750" indent="-285750">
+              <a:buFont typeface="Arial" panose="020B0604020202020204" pitchFamily="34" charset="0"/>
+              <a:buChar char="•"/>
+            </a:pPr>
+            <a:r>
+              <a:rPr lang="ru-RU" dirty="0">
+                <a:solidFill>
+                  <a:schemeClr val="accent1">
+                    <a:lumMod val="75000"/>
+                  </a:schemeClr>
+                </a:solidFill>
+                <a:latin typeface="Book Antiqua" panose="02040602050305030304" pitchFamily="18" charset="0"/>
+              </a:rPr>
+              <a:t>Разные картинки для каждого гороскопа</a:t>
+            </a:r>
+          </a:p>
+          <a:p>
+            <a:pPr marL="285750" indent="-285750">
+              <a:buFont typeface="Arial" panose="020B0604020202020204" pitchFamily="34" charset="0"/>
+              <a:buChar char="•"/>
+            </a:pPr>
+            <a:r>
+              <a:rPr lang="ru-RU" dirty="0">
+                <a:solidFill>
+                  <a:schemeClr val="accent1">
+                    <a:lumMod val="75000"/>
+                  </a:schemeClr>
+                </a:solidFill>
+                <a:latin typeface="Book Antiqua" panose="02040602050305030304" pitchFamily="18" charset="0"/>
+              </a:rPr>
+              <a:t>Плюшки за время существования аккаунта</a:t>
+            </a:r>
+          </a:p>
+          <a:p>
+            <a:pPr marL="285750" indent="-285750">
+              <a:buFont typeface="Arial" panose="020B0604020202020204" pitchFamily="34" charset="0"/>
+              <a:buChar char="•"/>
+            </a:pPr>
+            <a:r>
+              <a:rPr lang="ru-RU" dirty="0">
+                <a:solidFill>
+                  <a:schemeClr val="accent1">
+                    <a:lumMod val="75000"/>
+                  </a:schemeClr>
+                </a:solidFill>
+                <a:latin typeface="Book Antiqua" panose="02040602050305030304" pitchFamily="18" charset="0"/>
+              </a:rPr>
+              <a:t>Больше функций бота</a:t>
+            </a:r>
+          </a:p>
+          <a:p>
+            <a:pPr marL="285750" indent="-285750">
+              <a:buFont typeface="Arial" panose="020B0604020202020204" pitchFamily="34" charset="0"/>
+              <a:buChar char="•"/>
+            </a:pPr>
+            <a:r>
+              <a:rPr lang="ru-RU" dirty="0">
+                <a:solidFill>
+                  <a:schemeClr val="accent1">
+                    <a:lumMod val="75000"/>
+                  </a:schemeClr>
+                </a:solidFill>
+                <a:latin typeface="Book Antiqua" panose="02040602050305030304" pitchFamily="18" charset="0"/>
+              </a:rPr>
+              <a:t>Удаление устаревших гороскопов</a:t>
+            </a:r>
+          </a:p>
+        </p:txBody>
+      </p:sp>
+      <p:pic>
+        <p:nvPicPr>
+          <p:cNvPr id="5" name="Рисунок 4">
+            <a:extLst>
+              <a:ext uri="{FF2B5EF4-FFF2-40B4-BE49-F238E27FC236}">
+                <a16:creationId xmlns:a16="http://schemas.microsoft.com/office/drawing/2014/main" id="{C978C1D6-B4E2-4406-88D2-DF7C95094B3E}"/>
+              </a:ext>
+            </a:extLst>
+          </p:cNvPr>
+          <p:cNvPicPr>
+            <a:picLocks noChangeAspect="1"/>
+          </p:cNvPicPr>
+          <p:nvPr/>
+        </p:nvPicPr>
+        <p:blipFill>
+          <a:blip r:embed="rId2">
+            <a:extLst>
+              <a:ext uri="{28A0092B-C50C-407E-A947-70E740481C1C}">
+                <a14:useLocalDpi xmlns:a14="http://schemas.microsoft.com/office/drawing/2010/main" val="0"/>
+              </a:ext>
+            </a:extLst>
+          </a:blip>
+          <a:stretch>
+            <a:fillRect/>
+          </a:stretch>
+        </p:blipFill>
+        <p:spPr>
+          <a:xfrm>
+            <a:off x="859195" y="1585432"/>
+            <a:ext cx="3769894" cy="5111722"/>
+          </a:xfrm>
+          <a:prstGeom prst="rect">
+            <a:avLst/>
+          </a:prstGeom>
+        </p:spPr>
+      </p:pic>
+      <p:pic>
+        <p:nvPicPr>
+          <p:cNvPr id="4" name="Рисунок 3"/>
+          <p:cNvPicPr>
+            <a:picLocks noChangeAspect="1"/>
+          </p:cNvPicPr>
+          <p:nvPr/>
+        </p:nvPicPr>
+        <p:blipFill>
+          <a:blip r:embed="rId3">
+            <a:extLst>
+              <a:ext uri="{28A0092B-C50C-407E-A947-70E740481C1C}">
+                <a14:useLocalDpi xmlns:a14="http://schemas.microsoft.com/office/drawing/2010/main" val="0"/>
+              </a:ext>
+            </a:extLst>
+          </a:blip>
+          <a:stretch>
+            <a:fillRect/>
+          </a:stretch>
+        </p:blipFill>
+        <p:spPr>
+          <a:xfrm>
+            <a:off x="-4628145" y="-3239702"/>
+            <a:ext cx="4628145" cy="3239702"/>
+          </a:xfrm>
+          <a:prstGeom prst="rect">
+            <a:avLst/>
+          </a:prstGeom>
+        </p:spPr>
+      </p:pic>
+      <p:sp>
+        <p:nvSpPr>
+          <p:cNvPr id="8" name="TextBox 7">
+            <a:extLst>
+              <a:ext uri="{FF2B5EF4-FFF2-40B4-BE49-F238E27FC236}">
+                <a16:creationId xmlns:a16="http://schemas.microsoft.com/office/drawing/2014/main" id="{E914A451-C34E-493D-B3A7-EECF08E66C4E}"/>
+              </a:ext>
+            </a:extLst>
+          </p:cNvPr>
+          <p:cNvSpPr txBox="1"/>
+          <p:nvPr/>
+        </p:nvSpPr>
+        <p:spPr>
+          <a:xfrm>
+            <a:off x="5034274" y="4450564"/>
+            <a:ext cx="6067918" cy="707886"/>
+          </a:xfrm>
+          <a:prstGeom prst="rect">
+            <a:avLst/>
+          </a:prstGeom>
+          <a:noFill/>
+        </p:spPr>
+        <p:txBody>
+          <a:bodyPr wrap="square" rtlCol="0">
+            <a:spAutoFit/>
+          </a:bodyPr>
+          <a:lstStyle/>
+          <a:p>
+            <a:r>
+              <a:rPr lang="ru-RU" sz="4000" dirty="0">
+                <a:ln w="3175">
+                  <a:solidFill>
+                    <a:schemeClr val="accent2">
+                      <a:lumMod val="60000"/>
+                      <a:lumOff val="40000"/>
+                    </a:schemeClr>
+                  </a:solidFill>
+                </a:ln>
+                <a:gradFill>
+                  <a:gsLst>
+                    <a:gs pos="10000">
+                      <a:schemeClr val="accent1">
+                        <a:lumMod val="5000"/>
+                        <a:lumOff val="95000"/>
+                      </a:schemeClr>
+                    </a:gs>
+                    <a:gs pos="74000">
+                      <a:schemeClr val="accent1">
+                        <a:lumMod val="45000"/>
+                        <a:lumOff val="55000"/>
+                      </a:schemeClr>
+                    </a:gs>
+                    <a:gs pos="83000">
+                      <a:schemeClr val="accent1">
+                        <a:lumMod val="45000"/>
+                        <a:lumOff val="55000"/>
+                      </a:schemeClr>
+                    </a:gs>
+                    <a:gs pos="100000">
+                      <a:schemeClr val="accent1">
+                        <a:lumMod val="30000"/>
+                        <a:lumOff val="70000"/>
+                      </a:schemeClr>
+                    </a:gs>
+                  </a:gsLst>
+                  <a:lin ang="5400000" scaled="1"/>
+                </a:gradFill>
+                <a:effectLst>
+                  <a:outerShdw blurRad="38100" dist="38100" dir="2700000" algn="tl">
+                    <a:srgbClr val="000000">
+                      <a:alpha val="43137"/>
+                    </a:srgbClr>
+                  </a:outerShdw>
+                  <a:reflection blurRad="6350" stA="55000" endA="300" endPos="45500" dir="5400000" sy="-100000" algn="bl" rotWithShape="0"/>
+                </a:effectLst>
+                <a:latin typeface="Book Antiqua" panose="02040602050305030304" pitchFamily="18" charset="0"/>
+              </a:rPr>
+              <a:t>Переходим к</a:t>
+            </a:r>
+            <a:r>
+              <a:rPr lang="ru-RU" sz="4000" dirty="0">
+                <a:solidFill>
+                  <a:schemeClr val="accent1">
+                    <a:lumMod val="75000"/>
+                  </a:schemeClr>
+                </a:solidFill>
+                <a:latin typeface="Book Antiqua" panose="02040602050305030304" pitchFamily="18" charset="0"/>
+              </a:rPr>
+              <a:t> </a:t>
+            </a:r>
+            <a:r>
+              <a:rPr lang="ru-RU" sz="4000" dirty="0">
+                <a:ln w="3175">
+                  <a:solidFill>
+                    <a:schemeClr val="accent2">
+                      <a:lumMod val="60000"/>
+                      <a:lumOff val="40000"/>
+                    </a:schemeClr>
+                  </a:solidFill>
+                </a:ln>
+                <a:gradFill>
+                  <a:gsLst>
+                    <a:gs pos="10000">
+                      <a:schemeClr val="accent1">
+                        <a:lumMod val="5000"/>
+                        <a:lumOff val="95000"/>
+                      </a:schemeClr>
+                    </a:gs>
+                    <a:gs pos="74000">
+                      <a:schemeClr val="accent1">
+                        <a:lumMod val="45000"/>
+                        <a:lumOff val="55000"/>
+                      </a:schemeClr>
+                    </a:gs>
+                    <a:gs pos="83000">
+                      <a:schemeClr val="accent1">
+                        <a:lumMod val="45000"/>
+                        <a:lumOff val="55000"/>
+                      </a:schemeClr>
+                    </a:gs>
+                    <a:gs pos="100000">
+                      <a:schemeClr val="accent1">
+                        <a:lumMod val="30000"/>
+                        <a:lumOff val="70000"/>
+                      </a:schemeClr>
+                    </a:gs>
+                  </a:gsLst>
+                  <a:lin ang="5400000" scaled="1"/>
+                </a:gradFill>
+                <a:effectLst>
+                  <a:outerShdw blurRad="38100" dist="38100" dir="2700000" algn="tl">
+                    <a:srgbClr val="000000">
+                      <a:alpha val="43137"/>
+                    </a:srgbClr>
+                  </a:outerShdw>
+                  <a:reflection blurRad="6350" stA="55000" endA="300" endPos="45500" dir="5400000" sy="-100000" algn="bl" rotWithShape="0"/>
+                </a:effectLst>
+                <a:latin typeface="Book Antiqua" panose="02040602050305030304" pitchFamily="18" charset="0"/>
+              </a:rPr>
+              <a:t>практике :)</a:t>
+            </a:r>
+            <a:endParaRPr lang="ru-RU" sz="4000" dirty="0">
+              <a:solidFill>
+                <a:schemeClr val="accent1">
+                  <a:lumMod val="75000"/>
+                </a:schemeClr>
+              </a:solidFill>
+              <a:latin typeface="Book Antiqua" panose="02040602050305030304" pitchFamily="18" charset="0"/>
+            </a:endParaRPr>
+          </a:p>
+        </p:txBody>
+      </p:sp>
+    </p:spTree>
+    <p:extLst>
+      <p:ext uri="{BB962C8B-B14F-4D97-AF65-F5344CB8AC3E}">
+        <p14:creationId xmlns:p14="http://schemas.microsoft.com/office/powerpoint/2010/main" val="3518342325"/>
+      </p:ext>
+    </p:extLst>
+  </p:cSld>
+  <p:clrMapOvr>
+    <a:masterClrMapping/>
+  </p:clrMapOvr>
+  <p:transition spd="slow">
+    <p:push dir="u"/>
+  </p:transition>
+  <p:timing>
+    <p:tnLst>
+      <p:par>
+        <p:cTn id="1" dur="indefinite" restart="never" nodeType="tmRoot">
+          <p:childTnLst>
+            <p:seq concurrent="1" nextAc="seek">
+              <p:cTn id="2" dur="indefinite" nodeType="mainSeq">
+                <p:childTnLst>
+                  <p:par>
+                    <p:cTn id="3" fill="hold">
+                      <p:stCondLst>
+                        <p:cond delay="indefinite"/>
+                        <p:cond evt="onBegin" delay="0">
+                          <p:tn val="2"/>
+                        </p:cond>
+                      </p:stCondLst>
+                      <p:childTnLst>
+                        <p:par>
+                          <p:cTn id="4" fill="hold">
+                            <p:stCondLst>
+                              <p:cond delay="0"/>
+                            </p:stCondLst>
+                            <p:childTnLst>
+                              <p:par>
+                                <p:cTn id="5" presetID="2" presetClass="entr" presetSubtype="1" fill="hold" grpId="0" nodeType="withEffect">
+                                  <p:stCondLst>
+                                    <p:cond delay="0"/>
+                                  </p:stCondLst>
+                                  <p:childTnLst>
+                                    <p:set>
+                                      <p:cBhvr>
+                                        <p:cTn id="6" dur="1" fill="hold">
+                                          <p:stCondLst>
+                                            <p:cond delay="0"/>
+                                          </p:stCondLst>
+                                        </p:cTn>
+                                        <p:tgtEl>
+                                          <p:spTgt spid="2"/>
                                         </p:tgtEl>
                                         <p:attrNameLst>
                                           <p:attrName>style.visibility</p:attrName>
@@ -9348,13 +11174,9 @@
                                     </p:set>
                                     <p:anim calcmode="lin" valueType="num">
                                       <p:cBhvr additive="base">
-                                        <p:cTn id="27" dur="500" fill="hold"/>
-                                        <p:tgtEl>
-                                          <p:spTgt spid="3">
-                                            <p:txEl>
-                                              <p:pRg st="2" end="2"/>
-                                            </p:txEl>
-                                          </p:spTgt>
+                                        <p:cTn id="7" dur="500" fill="hold"/>
+                                        <p:tgtEl>
+                                          <p:spTgt spid="2"/>
                                         </p:tgtEl>
                                         <p:attrNameLst>
                                           <p:attrName>ppt_x</p:attrName>
@@ -9375,13 +11197,9 @@
                                     </p:anim>
                                     <p:anim calcmode="lin" valueType="num">
                                       <p:cBhvr additive="base">
-                                        <p:cTn id="28" dur="500" fill="hold"/>
-                                        <p:tgtEl>
-                                          <p:spTgt spid="3">
-                                            <p:txEl>
-                                              <p:pRg st="2" end="2"/>
-                                            </p:txEl>
-                                          </p:spTgt>
+                                        <p:cTn id="8" dur="500" fill="hold"/>
+                                        <p:tgtEl>
+                                          <p:spTgt spid="2"/>
                                         </p:tgtEl>
                                         <p:attrNameLst>
                                           <p:attrName>ppt_y</p:attrName>
@@ -9390,7 +11208,88 @@
                                       <p:tavLst>
                                         <p:tav tm="0">
                                           <p:val>
-                                            <p:strVal val="1+#ppt_h/2"/>
+                                            <p:strVal val="0-#ppt_h/2"/>
+                                          </p:val>
+                                        </p:tav>
+                                        <p:tav tm="100000">
+                                          <p:val>
+                                            <p:strVal val="#ppt_y"/>
+                                          </p:val>
+                                        </p:tav>
+                                      </p:tavLst>
+                                    </p:anim>
+                                  </p:childTnLst>
+                                </p:cTn>
+                              </p:par>
+                              <p:par>
+                                <p:cTn id="9" presetID="42" presetClass="entr" presetSubtype="0" fill="hold" nodeType="withEffect">
+                                  <p:stCondLst>
+                                    <p:cond delay="0"/>
+                                  </p:stCondLst>
+                                  <p:childTnLst>
+                                    <p:set>
+                                      <p:cBhvr>
+                                        <p:cTn id="10" dur="1" fill="hold">
+                                          <p:stCondLst>
+                                            <p:cond delay="0"/>
+                                          </p:stCondLst>
+                                        </p:cTn>
+                                        <p:tgtEl>
+                                          <p:spTgt spid="5"/>
+                                        </p:tgtEl>
+                                        <p:attrNameLst>
+                                          <p:attrName>style.visibility</p:attrName>
+                                        </p:attrNameLst>
+                                      </p:cBhvr>
+                                      <p:to>
+                                        <p:strVal val="visible"/>
+                                      </p:to>
+                                    </p:set>
+                                    <p:animEffect transition="in" filter="fade">
+                                      <p:cBhvr>
+                                        <p:cTn id="11" dur="1000"/>
+                                        <p:tgtEl>
+                                          <p:spTgt spid="5"/>
+                                        </p:tgtEl>
+                                      </p:cBhvr>
+                                    </p:animEffect>
+                                    <p:anim calcmode="lin" valueType="num">
+                                      <p:cBhvr>
+                                        <p:cTn id="12" dur="1000" fill="hold"/>
+                                        <p:tgtEl>
+                                          <p:spTgt spid="5"/>
+                                        </p:tgtEl>
+                                        <p:attrNameLst>
+                                          <p:attrName>ppt_x</p:attrName>
+                                        </p:attrNameLst>
+                                      </p:cBhvr>
+                                      <p:tavLst>
+                                        <p:tav tm="0">
+                                          <p:val>
+                                            <p:strVal val="#ppt_x"/>
+                                          </p:val>
+                                        </p:tav>
+                                        <p:tav tm="100000">
+                                          <p:val>
+                                            <p:strVal val="#ppt_x"/>
+                                          </p:val>
+                                        </p:tav>
+                                      </p:tavLst>
+                                    </p:anim>
+                                    <p:anim calcmode="lin" valueType="num">
+                                      <p:cBhvr>
+                                        <p:cTn id="13" dur="1000" fill="hold"/>
+                                        <p:tgtEl>
+                                          <p:spTgt spid="5"/>
+                                        </p:tgtEl>
+                                        <p:attrNameLst>
+                                          <p:attrName>ppt_y</p:attrName>
+                                        </p:attrNameLst>
+                                      </p:cBhvr>
+                                      <p:tavLst>
+                                        <p:tav tm="0">
+                                          <p:val>
+                                            <p:strVal val="#ppt_y+.1"/>
                                           </p:val>
                                         </p:tav>
                                         <p:tav tm="100000">
@@ -9410,26 +11309,66 @@
                     </p:cTn>
                   </p:par>
                   <p:par>
-                    <p:cTn id="29" fill="hold">
+                    <p:cTn id="14" fill="hold">
                       <p:stCondLst>
                         <p:cond delay="indefinite"/>
                       </p:stCondLst>
                       <p:childTnLst>
                         <p:par>
-                          <p:cTn id="30" fill="hold">
+                          <p:cTn id="15" fill="hold">
                             <p:stCondLst>
                               <p:cond delay="0"/>
                             </p:stCondLst>
                             <p:childTnLst>
                               <p:par>
-                                <p:cTn id="31" presetID="2" presetClass="entr" presetSubtype="4" fill="hold" grpId="0" nodeType="clickEffect">
+                                <p:cTn id="16" presetID="42" presetClass="path" presetSubtype="0" accel="50000" decel="50000" fill="hold" nodeType="clickEffect">
+                                  <p:stCondLst>
+                                    <p:cond delay="0"/>
+                                  </p:stCondLst>
+                                  <p:childTnLst>
+                                    <p:animMotion origin="layout" path="M -0.24779 -0.175 L 1.38086 1.47407 " pathEditMode="relative" rAng="0" ptsTypes="AA">
+                                      <p:cBhvr>
+                                        <p:cTn id="17" dur="1000" fill="hold"/>
+                                        <p:tgtEl>
+                                          <p:spTgt spid="4"/>
+                                        </p:tgtEl>
+                                        <p:attrNameLst>
+                                          <p:attrName>ppt_x</p:attrName>
+                                          <p:attrName>ppt_y</p:attrName>
+                                        </p:attrNameLst>
+                                      </p:cBhvr>
+                                      <p:rCtr x="81432" y="82454"/>
+                                    </p:animMotion>
+                                  </p:childTnLst>
+                                </p:cTn>
+                              </p:par>
+                            </p:childTnLst>
+                          </p:cTn>
+                        </p:par>
+                      </p:childTnLst>
+                    </p:cTn>
+                  </p:par>
+                  <p:par>
+                    <p:cTn id="18" fill="hold">
+                      <p:stCondLst>
+                        <p:cond delay="indefinite"/>
+                      </p:stCondLst>
+                      <p:childTnLst>
+                        <p:par>
+                          <p:cTn id="19" fill="hold">
+                            <p:stCondLst>
+                              <p:cond delay="0"/>
+                            </p:stCondLst>
+                            <p:childTnLst>
+                              <p:par>
+                                <p:cTn id="20" presetID="2" presetClass="entr" presetSubtype="4" fill="hold" grpId="0" nodeType="clickEffect">
                                   <p:stCondLst>
                                     <p:cond delay="0"/>
                                   </p:stCondLst>
                                   <p:childTnLst>
                                     <p:set>
                                       <p:cBhvr>
-                                        <p:cTn id="32" dur="1" fill="hold">
+                                        <p:cTn id="21" dur="1" fill="hold">
                                           <p:stCondLst>
                                             <p:cond delay="0"/>
                                           </p:stCondLst>
@@ -9437,7 +11376,7 @@
                                         <p:tgtEl>
                                           <p:spTgt spid="3">
                                             <p:txEl>
-                                              <p:pRg st="3" end="3"/>
+                                              <p:pRg st="0" end="0"/>
                                             </p:txEl>
                                           </p:spTgt>
                                         </p:tgtEl>
@@ -9451,11 +11390,11 @@
                                     </p:set>
                                     <p:anim calcmode="lin" valueType="num">
                                       <p:cBhvr additive="base">
-                                        <p:cTn id="33" dur="500" fill="hold"/>
+                                        <p:cTn id="22" dur="500" fill="hold"/>
                                         <p:tgtEl>
                                           <p:spTgt spid="3">
                                             <p:txEl>
-                                              <p:pRg st="3" end="3"/>
+                                              <p:pRg st="0" end="0"/>
                                             </p:txEl>
                                           </p:spTgt>
                                         </p:tgtEl>
@@ -9478,11 +11417,11 @@
                                     </p:anim>
                                     <p:anim calcmode="lin" valueType="num">
                                       <p:cBhvr additive="base">
-                                        <p:cTn id="34" dur="500" fill="hold"/>
+                                        <p:cTn id="23" dur="500" fill="hold"/>
                                         <p:tgtEl>
                                           <p:spTgt spid="3">
                                             <p:txEl>
-                                              <p:pRg st="3" end="3"/>
+                                              <p:pRg st="0" end="0"/>
                                             </p:txEl>
                                           </p:spTgt>
                                         </p:tgtEl>
@@ -9513,111 +11452,30 @@
                     </p:cTn>
                   </p:par>
                   <p:par>
-                    <p:cTn id="35" fill="hold">
+                    <p:cTn id="24" fill="hold">
                       <p:stCondLst>
                         <p:cond delay="indefinite"/>
                       </p:stCondLst>
                       <p:childTnLst>
                         <p:par>
-                          <p:cTn id="36" fill="hold">
+                          <p:cTn id="25" fill="hold">
                             <p:stCondLst>
                               <p:cond delay="0"/>
                             </p:stCondLst>
                             <p:childTnLst>
                               <p:par>
-                                <p:cTn id="37" presetID="2" presetClass="exit" presetSubtype="4" fill="hold" grpId="1" nodeType="clickEffect">
+                                <p:cTn id="26" presetID="2" presetClass="entr" presetSubtype="4" fill="hold" grpId="0" nodeType="clickEffect">
                                   <p:stCondLst>
                                     <p:cond delay="0"/>
                                   </p:stCondLst>
                                   <p:childTnLst>
-                                    <p:anim calcmode="lin" valueType="num">
-                                      <p:cBhvr additive="base">
-                                        <p:cTn id="38" dur="500"/>
-                                        <p:tgtEl>
-                                          <p:spTgt spid="3">
-                                            <p:txEl>
-                                              <p:pRg st="0" end="0"/>
-                                            </p:txEl>
-                                          </p:spTgt>
-                                        </p:tgtEl>
-                                        <p:attrNameLst>
-                                          <p:attrName>ppt_x</p:attrName>
-                                        </p:attrNameLst>
-                                      </p:cBhvr>
-                                      <p:tavLst>
-                                        <p:tav tm="0">
-                                          <p:val>
-                                            <p:strVal val="ppt_x"/>
-                                          </p:val>
-                                        </p:tav>
-                                        <p:tav tm="100000">
-                                          <p:val>
-                                            <p:strVal val="ppt_x"/>
-                                          </p:val>
-                                        </p:tav>
-                                      </p:tavLst>
-                                    </p:anim>
-                                    <p:anim calcmode="lin" valueType="num">
-                                      <p:cBhvr additive="base">
-                                        <p:cTn id="39" dur="500"/>
-                                        <p:tgtEl>
-                                          <p:spTgt spid="3">
-                                            <p:txEl>
-                                              <p:pRg st="0" end="0"/>
-                                            </p:txEl>
-                                          </p:spTgt>
-                                        </p:tgtEl>
-                                        <p:attrNameLst>
-                                          <p:attrName>ppt_y</p:attrName>
-                                        </p:attrNameLst>
-                                      </p:cBhvr>
-                                      <p:tavLst>
-                                        <p:tav tm="0">
-                                          <p:val>
-                                            <p:strVal val="ppt_y"/>
-                                          </p:val>
-                                        </p:tav>
-                                        <p:tav tm="100000">
-                                          <p:val>
-                                            <p:strVal val="1+ppt_h/2"/>
-                                          </p:val>
-                                        </p:tav>
-                                      </p:tavLst>
-                                    </p:anim>
                                     <p:set>
                                       <p:cBhvr>
-                                        <p:cTn id="40" dur="1" fill="hold">
+                                        <p:cTn id="27" dur="1" fill="hold">
                                           <p:stCondLst>
-                                            <p:cond delay="499"/>
+                                            <p:cond delay="0"/>
                                           </p:stCondLst>
                                         </p:cTn>
-                                        <p:tgtEl>
-                                          <p:spTgt spid="3">
-                                            <p:txEl>
-                                              <p:pRg st="0" end="0"/>
-                                            </p:txEl>
-                                          </p:spTgt>
-                                        </p:tgtEl>
-                                        <p:attrNameLst>
-                                          <p:attrName>style.visibility</p:attrName>
-                                        </p:attrNameLst>
-                                      </p:cBhvr>
-                                      <p:to>
-                                        <p:strVal val="hidden"/>
-                                      </p:to>
-                                    </p:set>
-                                  </p:childTnLst>
-                                </p:cTn>
-                              </p:par>
-                              <p:par>
-                                <p:cTn id="41" presetID="2" presetClass="exit" presetSubtype="4" fill="hold" grpId="1" nodeType="withEffect">
-                                  <p:stCondLst>
-                                    <p:cond delay="0"/>
-                                  </p:stCondLst>
-                                  <p:childTnLst>
-                                    <p:anim calcmode="lin" valueType="num">
-                                      <p:cBhvr additive="base">
-                                        <p:cTn id="42" dur="500"/>
                                         <p:tgtEl>
                                           <p:spTgt spid="3">
                                             <p:txEl>
@@ -9626,25 +11484,16 @@
                                           </p:spTgt>
                                         </p:tgtEl>
                                         <p:attrNameLst>
-                                          <p:attrName>ppt_x</p:attrName>
-                                        </p:attrNameLst>
-                                      </p:cBhvr>
-                                      <p:tavLst>
-                                        <p:tav tm="0">
-                                          <p:val>
-                                            <p:strVal val="ppt_x"/>
-                                          </p:val>
-                                        </p:tav>
-                                        <p:tav tm="100000">
-                                          <p:val>
-                                            <p:strVal val="ppt_x"/>
-                                          </p:val>
-                                        </p:tav>
-                                      </p:tavLst>
-                                    </p:anim>
+                                          <p:attrName>style.visibility</p:attrName>
+                                        </p:attrNameLst>
+                                      </p:cBhvr>
+                                      <p:to>
+                                        <p:strVal val="visible"/>
+                                      </p:to>
+                                    </p:set>
                                     <p:anim calcmode="lin" valueType="num">
                                       <p:cBhvr additive="base">
-                                        <p:cTn id="43" dur="500"/>
+                                        <p:cTn id="28" dur="500" fill="hold"/>
                                         <p:tgtEl>
                                           <p:spTgt spid="3">
                                             <p:txEl>
@@ -9653,29 +11502,25 @@
                                           </p:spTgt>
                                         </p:tgtEl>
                                         <p:attrNameLst>
-                                          <p:attrName>ppt_y</p:attrName>
+                                          <p:attrName>ppt_x</p:attrName>
                                         </p:attrNameLst>
                                       </p:cBhvr>
                                       <p:tavLst>
                                         <p:tav tm="0">
                                           <p:val>
-                                            <p:strVal val="ppt_y"/>
+                                            <p:strVal val="#ppt_x"/>
                                           </p:val>
                                         </p:tav>
                                         <p:tav tm="100000">
                                           <p:val>
-                                            <p:strVal val="1+ppt_h/2"/>
+                                            <p:strVal val="#ppt_x"/>
                                           </p:val>
                                         </p:tav>
                                       </p:tavLst>
                                     </p:anim>
-                                    <p:set>
-                                      <p:cBhvr>
-                                        <p:cTn id="44" dur="1" fill="hold">
-                                          <p:stCondLst>
-                                            <p:cond delay="499"/>
-                                          </p:stCondLst>
-                                        </p:cTn>
+                                    <p:anim calcmode="lin" valueType="num">
+                                      <p:cBhvr additive="base">
+                                        <p:cTn id="29" dur="500" fill="hold"/>
                                         <p:tgtEl>
                                           <p:spTgt spid="3">
                                             <p:txEl>
@@ -9684,183 +11529,22 @@
                                           </p:spTgt>
                                         </p:tgtEl>
                                         <p:attrNameLst>
-                                          <p:attrName>style.visibility</p:attrName>
-                                        </p:attrNameLst>
-                                      </p:cBhvr>
-                                      <p:to>
-                                        <p:strVal val="hidden"/>
-                                      </p:to>
-                                    </p:set>
-                                  </p:childTnLst>
-                                </p:cTn>
-                              </p:par>
-                              <p:par>
-                                <p:cTn id="45" presetID="2" presetClass="exit" presetSubtype="4" fill="hold" grpId="1" nodeType="withEffect">
-                                  <p:stCondLst>
-                                    <p:cond delay="0"/>
-                                  </p:stCondLst>
-                                  <p:childTnLst>
-                                    <p:anim calcmode="lin" valueType="num">
-                                      <p:cBhvr additive="base">
-                                        <p:cTn id="46" dur="500"/>
-                                        <p:tgtEl>
-                                          <p:spTgt spid="3">
-                                            <p:txEl>
-                                              <p:pRg st="2" end="2"/>
-                                            </p:txEl>
-                                          </p:spTgt>
-                                        </p:tgtEl>
-                                        <p:attrNameLst>
-                                          <p:attrName>ppt_x</p:attrName>
+                                          <p:attrName>ppt_y</p:attrName>
                                         </p:attrNameLst>
                                       </p:cBhvr>
                                       <p:tavLst>
                                         <p:tav tm="0">
                                           <p:val>
-                                            <p:strVal val="ppt_x"/>
+                                            <p:strVal val="1+#ppt_h/2"/>
                                           </p:val>
                                         </p:tav>
                                         <p:tav tm="100000">
                                           <p:val>
-                                            <p:strVal val="ppt_x"/>
+                                            <p:strVal val="#ppt_y"/>
                                           </p:val>
                                         </p:tav>
                                       </p:tavLst>
                                     </p:anim>
-                                    <p:anim calcmode="lin" valueType="num">
-                                      <p:cBhvr additive="base">
-                                        <p:cTn id="47" dur="500"/>
-                                        <p:tgtEl>
-                                          <p:spTgt spid="3">
-                                            <p:txEl>
-                                              <p:pRg st="2" end="2"/>
-                                            </p:txEl>
-                                          </p:spTgt>
-                                        </p:tgtEl>
-                                        <p:attrNameLst>
-                                          <p:attrName>ppt_y</p:attrName>
-                                        </p:attrNameLst>
-                                      </p:cBhvr>
-                                      <p:tavLst>
-                                        <p:tav tm="0">
-                                          <p:val>
-                                            <p:strVal val="ppt_y"/>
-                                          </p:val>
-                                        </p:tav>
-                                        <p:tav tm="100000">
-                                          <p:val>
-                                            <p:strVal val="1+ppt_h/2"/>
-                                          </p:val>
-                                        </p:tav>
-                                      </p:tavLst>
-                                    </p:anim>
-                                    <p:set>
-                                      <p:cBhvr>
-                                        <p:cTn id="48" dur="1" fill="hold">
-                                          <p:stCondLst>
-                                            <p:cond delay="499"/>
-                                          </p:stCondLst>
-                                        </p:cTn>
-                                        <p:tgtEl>
-                                          <p:spTgt spid="3">
-                                            <p:txEl>
-                                              <p:pRg st="2" end="2"/>
-                                            </p:txEl>
-                                          </p:spTgt>
-                                        </p:tgtEl>
-                                        <p:attrNameLst>
-                                          <p:attrName>style.visibility</p:attrName>
-                                        </p:attrNameLst>
-                                      </p:cBhvr>
-                                      <p:to>
-                                        <p:strVal val="hidden"/>
-                                      </p:to>
-                                    </p:set>
-                                  </p:childTnLst>
-                                </p:cTn>
-                              </p:par>
-                              <p:par>
-                                <p:cTn id="49" presetID="2" presetClass="exit" presetSubtype="4" fill="hold" grpId="1" nodeType="withEffect">
-                                  <p:stCondLst>
-                                    <p:cond delay="0"/>
-                                  </p:stCondLst>
-                                  <p:childTnLst>
-                                    <p:anim calcmode="lin" valueType="num">
-                                      <p:cBhvr additive="base">
-                                        <p:cTn id="50" dur="500"/>
-                                        <p:tgtEl>
-                                          <p:spTgt spid="3">
-                                            <p:txEl>
-                                              <p:pRg st="3" end="3"/>
-                                            </p:txEl>
-                                          </p:spTgt>
-                                        </p:tgtEl>
-                                        <p:attrNameLst>
-                                          <p:attrName>ppt_x</p:attrName>
-                                        </p:attrNameLst>
-                                      </p:cBhvr>
-                                      <p:tavLst>
-                                        <p:tav tm="0">
-                                          <p:val>
-                                            <p:strVal val="ppt_x"/>
-                                          </p:val>
-                                        </p:tav>
-                                        <p:tav tm="100000">
-                                          <p:val>
-                                            <p:strVal val="ppt_x"/>
-                                          </p:val>
-                                        </p:tav>
-                                      </p:tavLst>
-                                    </p:anim>
-                                    <p:anim calcmode="lin" valueType="num">
-                                      <p:cBhvr additive="base">
-                                        <p:cTn id="51" dur="500"/>
-                                        <p:tgtEl>
-                                          <p:spTgt spid="3">
-                                            <p:txEl>
-                                              <p:pRg st="3" end="3"/>
-                                            </p:txEl>
-                                          </p:spTgt>
-                                        </p:tgtEl>
-                                        <p:attrNameLst>
-                                          <p:attrName>ppt_y</p:attrName>
-                                        </p:attrNameLst>
-                                      </p:cBhvr>
-                                      <p:tavLst>
-                                        <p:tav tm="0">
-                                          <p:val>
-                                            <p:strVal val="ppt_y"/>
-                                          </p:val>
-                                        </p:tav>
-                                        <p:tav tm="100000">
-                                          <p:val>
-                                            <p:strVal val="1+ppt_h/2"/>
-                                          </p:val>
-                                        </p:tav>
-                                      </p:tavLst>
-                                    </p:anim>
-                                    <p:set>
-                                      <p:cBhvr>
-                                        <p:cTn id="52" dur="1" fill="hold">
-                                          <p:stCondLst>
-                                            <p:cond delay="499"/>
-                                          </p:stCondLst>
-                                        </p:cTn>
-                                        <p:tgtEl>
-                                          <p:spTgt spid="3">
-                                            <p:txEl>
-                                              <p:pRg st="3" end="3"/>
-                                            </p:txEl>
-                                          </p:spTgt>
-                                        </p:tgtEl>
-                                        <p:attrNameLst>
-                                          <p:attrName>style.visibility</p:attrName>
-                                        </p:attrNameLst>
-                                      </p:cBhvr>
-                                      <p:to>
-                                        <p:strVal val="hidden"/>
-                                      </p:to>
-                                    </p:set>
                                   </p:childTnLst>
                                 </p:cTn>
                               </p:par>
@@ -9871,32 +11555,36 @@
                     </p:cTn>
                   </p:par>
                   <p:par>
-                    <p:cTn id="53" fill="hold">
+                    <p:cTn id="30" fill="hold">
                       <p:stCondLst>
                         <p:cond delay="indefinite"/>
                       </p:stCondLst>
                       <p:childTnLst>
                         <p:par>
-                          <p:cTn id="54" fill="hold">
+                          <p:cTn id="31" fill="hold">
                             <p:stCondLst>
                               <p:cond delay="0"/>
                             </p:stCondLst>
                             <p:childTnLst>
                               <p:par>
-                                <p:cTn id="55" presetID="2" presetClass="entr" presetSubtype="4" fill="hold" nodeType="clickEffect">
+                                <p:cTn id="32" presetID="2" presetClass="entr" presetSubtype="4" fill="hold" grpId="0" nodeType="clickEffect">
                                   <p:stCondLst>
                                     <p:cond delay="0"/>
                                   </p:stCondLst>
                                   <p:childTnLst>
                                     <p:set>
                                       <p:cBhvr>
-                                        <p:cTn id="56" dur="1" fill="hold">
+                                        <p:cTn id="33" dur="1" fill="hold">
                                           <p:stCondLst>
                                             <p:cond delay="0"/>
                                           </p:stCondLst>
                                         </p:cTn>
                                         <p:tgtEl>
-                                          <p:spTgt spid="14"/>
+                                          <p:spTgt spid="3">
+                                            <p:txEl>
+                                              <p:pRg st="2" end="2"/>
+                                            </p:txEl>
+                                          </p:spTgt>
                                         </p:tgtEl>
                                         <p:attrNameLst>
                                           <p:attrName>style.visibility</p:attrName>
@@ -9908,9 +11596,13 @@
                                     </p:set>
                                     <p:anim calcmode="lin" valueType="num">
                                       <p:cBhvr additive="base">
-                                        <p:cTn id="57" dur="500" fill="hold"/>
-                                        <p:tgtEl>
-                                          <p:spTgt spid="14"/>
+                                        <p:cTn id="34" dur="500" fill="hold"/>
+                                        <p:tgtEl>
+                                          <p:spTgt spid="3">
+                                            <p:txEl>
+                                              <p:pRg st="2" end="2"/>
+                                            </p:txEl>
+                                          </p:spTgt>
                                         </p:tgtEl>
                                         <p:attrNameLst>
                                           <p:attrName>ppt_x</p:attrName>
@@ -9931,9 +11623,322 @@
                                     </p:anim>
                                     <p:anim calcmode="lin" valueType="num">
                                       <p:cBhvr additive="base">
-                                        <p:cTn id="58" dur="500" fill="hold"/>
-                                        <p:tgtEl>
-                                          <p:spTgt spid="14"/>
+                                        <p:cTn id="35" dur="500" fill="hold"/>
+                                        <p:tgtEl>
+                                          <p:spTgt spid="3">
+                                            <p:txEl>
+                                              <p:pRg st="2" end="2"/>
+                                            </p:txEl>
+                                          </p:spTgt>
+                                        </p:tgtEl>
+                                        <p:attrNameLst>
+                                          <p:attrName>ppt_y</p:attrName>
+                                        </p:attrNameLst>
+                                      </p:cBhvr>
+                                      <p:tavLst>
+                                        <p:tav tm="0">
+                                          <p:val>
+                                            <p:strVal val="1+#ppt_h/2"/>
+                                          </p:val>
+                                        </p:tav>
+                                        <p:tav tm="100000">
+                                          <p:val>
+                                            <p:strVal val="#ppt_y"/>
+                                          </p:val>
+                                        </p:tav>
+                                      </p:tavLst>
+                                    </p:anim>
+                                  </p:childTnLst>
+                                </p:cTn>
+                              </p:par>
+                            </p:childTnLst>
+                          </p:cTn>
+                        </p:par>
+                      </p:childTnLst>
+                    </p:cTn>
+                  </p:par>
+                  <p:par>
+                    <p:cTn id="36" fill="hold">
+                      <p:stCondLst>
+                        <p:cond delay="indefinite"/>
+                      </p:stCondLst>
+                      <p:childTnLst>
+                        <p:par>
+                          <p:cTn id="37" fill="hold">
+                            <p:stCondLst>
+                              <p:cond delay="0"/>
+                            </p:stCondLst>
+                            <p:childTnLst>
+                              <p:par>
+                                <p:cTn id="38" presetID="2" presetClass="entr" presetSubtype="4" fill="hold" grpId="0" nodeType="clickEffect">
+                                  <p:stCondLst>
+                                    <p:cond delay="0"/>
+                                  </p:stCondLst>
+                                  <p:childTnLst>
+                                    <p:set>
+                                      <p:cBhvr>
+                                        <p:cTn id="39" dur="1" fill="hold">
+                                          <p:stCondLst>
+                                            <p:cond delay="0"/>
+                                          </p:stCondLst>
+                                        </p:cTn>
+                                        <p:tgtEl>
+                                          <p:spTgt spid="3">
+                                            <p:txEl>
+                                              <p:pRg st="3" end="3"/>
+                                            </p:txEl>
+                                          </p:spTgt>
+                                        </p:tgtEl>
+                                        <p:attrNameLst>
+                                          <p:attrName>style.visibility</p:attrName>
+                                        </p:attrNameLst>
+                                      </p:cBhvr>
+                                      <p:to>
+                                        <p:strVal val="visible"/>
+                                      </p:to>
+                                    </p:set>
+                                    <p:anim calcmode="lin" valueType="num">
+                                      <p:cBhvr additive="base">
+                                        <p:cTn id="40" dur="500" fill="hold"/>
+                                        <p:tgtEl>
+                                          <p:spTgt spid="3">
+                                            <p:txEl>
+                                              <p:pRg st="3" end="3"/>
+                                            </p:txEl>
+                                          </p:spTgt>
+                                        </p:tgtEl>
+                                        <p:attrNameLst>
+                                          <p:attrName>ppt_x</p:attrName>
+                                        </p:attrNameLst>
+                                      </p:cBhvr>
+                                      <p:tavLst>
+                                        <p:tav tm="0">
+                                          <p:val>
+                                            <p:strVal val="#ppt_x"/>
+                                          </p:val>
+                                        </p:tav>
+                                        <p:tav tm="100000">
+                                          <p:val>
+                                            <p:strVal val="#ppt_x"/>
+                                          </p:val>
+                                        </p:tav>
+                                      </p:tavLst>
+                                    </p:anim>
+                                    <p:anim calcmode="lin" valueType="num">
+                                      <p:cBhvr additive="base">
+                                        <p:cTn id="41" dur="500" fill="hold"/>
+                                        <p:tgtEl>
+                                          <p:spTgt spid="3">
+                                            <p:txEl>
+                                              <p:pRg st="3" end="3"/>
+                                            </p:txEl>
+                                          </p:spTgt>
+                                        </p:tgtEl>
+                                        <p:attrNameLst>
+                                          <p:attrName>ppt_y</p:attrName>
+                                        </p:attrNameLst>
+                                      </p:cBhvr>
+                                      <p:tavLst>
+                                        <p:tav tm="0">
+                                          <p:val>
+                                            <p:strVal val="1+#ppt_h/2"/>
+                                          </p:val>
+                                        </p:tav>
+                                        <p:tav tm="100000">
+                                          <p:val>
+                                            <p:strVal val="#ppt_y"/>
+                                          </p:val>
+                                        </p:tav>
+                                      </p:tavLst>
+                                    </p:anim>
+                                  </p:childTnLst>
+                                </p:cTn>
+                              </p:par>
+                            </p:childTnLst>
+                          </p:cTn>
+                        </p:par>
+                      </p:childTnLst>
+                    </p:cTn>
+                  </p:par>
+                  <p:par>
+                    <p:cTn id="42" fill="hold">
+                      <p:stCondLst>
+                        <p:cond delay="indefinite"/>
+                      </p:stCondLst>
+                      <p:childTnLst>
+                        <p:par>
+                          <p:cTn id="43" fill="hold">
+                            <p:stCondLst>
+                              <p:cond delay="0"/>
+                            </p:stCondLst>
+                            <p:childTnLst>
+                              <p:par>
+                                <p:cTn id="44" presetID="2" presetClass="entr" presetSubtype="4" fill="hold" grpId="0" nodeType="clickEffect">
+                                  <p:stCondLst>
+                                    <p:cond delay="0"/>
+                                  </p:stCondLst>
+                                  <p:childTnLst>
+                                    <p:set>
+                                      <p:cBhvr>
+                                        <p:cTn id="45" dur="1" fill="hold">
+                                          <p:stCondLst>
+                                            <p:cond delay="0"/>
+                                          </p:stCondLst>
+                                        </p:cTn>
+                                        <p:tgtEl>
+                                          <p:spTgt spid="3">
+                                            <p:txEl>
+                                              <p:pRg st="4" end="4"/>
+                                            </p:txEl>
+                                          </p:spTgt>
+                                        </p:tgtEl>
+                                        <p:attrNameLst>
+                                          <p:attrName>style.visibility</p:attrName>
+                                        </p:attrNameLst>
+                                      </p:cBhvr>
+                                      <p:to>
+                                        <p:strVal val="visible"/>
+                                      </p:to>
+                                    </p:set>
+                                    <p:anim calcmode="lin" valueType="num">
+                                      <p:cBhvr additive="base">
+                                        <p:cTn id="46" dur="500" fill="hold"/>
+                                        <p:tgtEl>
+                                          <p:spTgt spid="3">
+                                            <p:txEl>
+                                              <p:pRg st="4" end="4"/>
+                                            </p:txEl>
+                                          </p:spTgt>
+                                        </p:tgtEl>
+                                        <p:attrNameLst>
+                                          <p:attrName>ppt_x</p:attrName>
+                                        </p:attrNameLst>
+                                      </p:cBhvr>
+                                      <p:tavLst>
+                                        <p:tav tm="0">
+                                          <p:val>
+                                            <p:strVal val="#ppt_x"/>
+                                          </p:val>
+                                        </p:tav>
+                                        <p:tav tm="100000">
+                                          <p:val>
+                                            <p:strVal val="#ppt_x"/>
+                                          </p:val>
+                                        </p:tav>
+                                      </p:tavLst>
+                                    </p:anim>
+                                    <p:anim calcmode="lin" valueType="num">
+                                      <p:cBhvr additive="base">
+                                        <p:cTn id="47" dur="500" fill="hold"/>
+                                        <p:tgtEl>
+                                          <p:spTgt spid="3">
+                                            <p:txEl>
+                                              <p:pRg st="4" end="4"/>
+                                            </p:txEl>
+                                          </p:spTgt>
+                                        </p:tgtEl>
+                                        <p:attrNameLst>
+                                          <p:attrName>ppt_y</p:attrName>
+                                        </p:attrNameLst>
+                                      </p:cBhvr>
+                                      <p:tavLst>
+                                        <p:tav tm="0">
+                                          <p:val>
+                                            <p:strVal val="1+#ppt_h/2"/>
+                                          </p:val>
+                                        </p:tav>
+                                        <p:tav tm="100000">
+                                          <p:val>
+                                            <p:strVal val="#ppt_y"/>
+                                          </p:val>
+                                        </p:tav>
+                                      </p:tavLst>
+                                    </p:anim>
+                                  </p:childTnLst>
+                                </p:cTn>
+                              </p:par>
+                            </p:childTnLst>
+                          </p:cTn>
+                        </p:par>
+                      </p:childTnLst>
+                    </p:cTn>
+                  </p:par>
+                  <p:par>
+                    <p:cTn id="48" fill="hold">
+                      <p:stCondLst>
+                        <p:cond delay="indefinite"/>
+                      </p:stCondLst>
+                      <p:childTnLst>
+                        <p:par>
+                          <p:cTn id="49" fill="hold">
+                            <p:stCondLst>
+                              <p:cond delay="0"/>
+                            </p:stCondLst>
+                            <p:childTnLst>
+                              <p:par>
+                                <p:cTn id="50" presetID="2" presetClass="entr" presetSubtype="4" fill="hold" grpId="0" nodeType="clickEffect">
+                                  <p:stCondLst>
+                                    <p:cond delay="0"/>
+                                  </p:stCondLst>
+                                  <p:childTnLst>
+                                    <p:set>
+                                      <p:cBhvr>
+                                        <p:cTn id="51" dur="1" fill="hold">
+                                          <p:stCondLst>
+                                            <p:cond delay="0"/>
+                                          </p:stCondLst>
+                                        </p:cTn>
+                                        <p:tgtEl>
+                                          <p:spTgt spid="8">
+                                            <p:txEl>
+                                              <p:pRg st="0" end="0"/>
+                                            </p:txEl>
+                                          </p:spTgt>
+                                        </p:tgtEl>
+                                        <p:attrNameLst>
+                                          <p:attrName>style.visibility</p:attrName>
+                                        </p:attrNameLst>
+                                      </p:cBhvr>
+                                      <p:to>
+                                        <p:strVal val="visible"/>
+                                      </p:to>
+                                    </p:set>
+                                    <p:anim calcmode="lin" valueType="num">
+                                      <p:cBhvr additive="base">
+                                        <p:cTn id="52" dur="500" fill="hold"/>
+                                        <p:tgtEl>
+                                          <p:spTgt spid="8">
+                                            <p:txEl>
+                                              <p:pRg st="0" end="0"/>
+                                            </p:txEl>
+                                          </p:spTgt>
+                                        </p:tgtEl>
+                                        <p:attrNameLst>
+                                          <p:attrName>ppt_x</p:attrName>
+                                        </p:attrNameLst>
+                                      </p:cBhvr>
+                                      <p:tavLst>
+                                        <p:tav tm="0">
+                                          <p:val>
+                                            <p:strVal val="#ppt_x"/>
+                                          </p:val>
+                                        </p:tav>
+                                        <p:tav tm="100000">
+                                          <p:val>
+                                            <p:strVal val="#ppt_x"/>
+                                          </p:val>
+                                        </p:tav>
+                                      </p:tavLst>
+                                    </p:anim>
+                                    <p:anim calcmode="lin" valueType="num">
+                                      <p:cBhvr additive="base">
+                                        <p:cTn id="53" dur="500" fill="hold"/>
+                                        <p:tgtEl>
+                                          <p:spTgt spid="8">
+                                            <p:txEl>
+                                              <p:pRg st="0" end="0"/>
+                                            </p:txEl>
+                                          </p:spTgt>
                                         </p:tgtEl>
                                         <p:attrNameLst>
                                           <p:attrName>ppt_y</p:attrName>
@@ -9985,8 +11990,7 @@
     <p:bldLst>
       <p:bldP spid="2" grpId="0"/>
       <p:bldP spid="3" grpId="0" build="p"/>
-      <p:bldP spid="3" grpId="1" build="allAtOnce"/>
-      <p:bldP spid="4" grpId="1"/>
+      <p:bldP spid="8" grpId="0" build="p"/>
     </p:bldLst>
   </p:timing>
 </p:sld>
